--- a/DRS presentazione.pptx
+++ b/DRS presentazione.pptx
@@ -6,6 +6,12 @@
   </p:sldMasterIdLst>
   <p:sldIdLst>
     <p:sldId id="256" r:id="rId2"/>
+    <p:sldId id="257" r:id="rId3"/>
+    <p:sldId id="258" r:id="rId4"/>
+    <p:sldId id="262" r:id="rId5"/>
+    <p:sldId id="259" r:id="rId6"/>
+    <p:sldId id="264" r:id="rId7"/>
+    <p:sldId id="263" r:id="rId8"/>
   </p:sldIdLst>
   <p:sldSz cx="12192000" cy="6858000"/>
   <p:notesSz cx="6858000" cy="9144000"/>
@@ -104,6 +110,11 @@
       </a:defRPr>
     </a:lvl9pPr>
   </p:defaultTextStyle>
+  <p:extLst>
+    <p:ext uri="{EFAFB233-063F-42B5-8137-9DF3F51BA10A}">
+      <p15:sldGuideLst xmlns:p15="http://schemas.microsoft.com/office/powerpoint/2012/main"/>
+    </p:ext>
+  </p:extLst>
 </p:presentation>
 </file>
 
@@ -351,7 +362,7 @@
           <a:p>
             <a:fld id="{9184DA70-C731-4C70-880D-CCD4705E623C}" type="datetime1">
               <a:rPr lang="en-US" smtClean="0"/>
-              <a:t>7/19/2022</a:t>
+              <a:t>7/20/2022</a:t>
             </a:fld>
             <a:endParaRPr lang="en-US" dirty="0"/>
           </a:p>
@@ -539,7 +550,7 @@
           <a:p>
             <a:fld id="{B612A279-0833-481D-8C56-F67FD0AC6C50}" type="datetime1">
               <a:rPr lang="en-US" smtClean="0"/>
-              <a:t>7/19/2022</a:t>
+              <a:t>7/20/2022</a:t>
             </a:fld>
             <a:endParaRPr lang="en-US" dirty="0"/>
           </a:p>
@@ -781,7 +792,7 @@
           <a:p>
             <a:fld id="{6587DA83-5663-4C9C-B9AA-0B40A3DAFF81}" type="datetime1">
               <a:rPr lang="en-US" smtClean="0"/>
-              <a:t>7/19/2022</a:t>
+              <a:t>7/20/2022</a:t>
             </a:fld>
             <a:endParaRPr lang="en-US" dirty="0"/>
           </a:p>
@@ -969,7 +980,7 @@
           <a:p>
             <a:fld id="{4BE1D723-8F53-4F53-90B0-1982A396982E}" type="datetime1">
               <a:rPr lang="en-US" smtClean="0"/>
-              <a:t>7/19/2022</a:t>
+              <a:t>7/20/2022</a:t>
             </a:fld>
             <a:endParaRPr lang="en-US" dirty="0"/>
           </a:p>
@@ -1342,7 +1353,7 @@
           <a:p>
             <a:fld id="{97669AF7-7BEB-44E4-9852-375E34362B5B}" type="datetime1">
               <a:rPr lang="en-US" smtClean="0"/>
-              <a:t>7/19/2022</a:t>
+              <a:t>7/20/2022</a:t>
             </a:fld>
             <a:endParaRPr lang="en-US" dirty="0"/>
           </a:p>
@@ -1597,7 +1608,7 @@
           <a:p>
             <a:fld id="{BAAAC38D-0552-4C82-B593-E6124DFADBE2}" type="datetime1">
               <a:rPr lang="en-US" smtClean="0"/>
-              <a:t>7/19/2022</a:t>
+              <a:t>7/20/2022</a:t>
             </a:fld>
             <a:endParaRPr lang="en-US" dirty="0"/>
           </a:p>
@@ -1994,7 +2005,7 @@
           <a:p>
             <a:fld id="{D9DF0F1C-5577-4ACB-BB62-DF8F3C494C7E}" type="datetime1">
               <a:rPr lang="en-US" smtClean="0"/>
-              <a:t>7/19/2022</a:t>
+              <a:t>7/20/2022</a:t>
             </a:fld>
             <a:endParaRPr lang="en-US" dirty="0"/>
           </a:p>
@@ -2130,7 +2141,7 @@
           <a:p>
             <a:fld id="{1775B394-D9F9-4F0C-B15D-605F45CB9E9F}" type="datetime1">
               <a:rPr lang="en-US" smtClean="0"/>
-              <a:t>7/19/2022</a:t>
+              <a:t>7/20/2022</a:t>
             </a:fld>
             <a:endParaRPr lang="en-US" dirty="0"/>
           </a:p>
@@ -2287,7 +2298,7 @@
           <a:p>
             <a:fld id="{39667345-2558-425A-8533-9BFDBCE15005}" type="datetime1">
               <a:rPr lang="en-US" smtClean="0"/>
-              <a:t>7/19/2022</a:t>
+              <a:t>7/20/2022</a:t>
             </a:fld>
             <a:endParaRPr lang="en-US" dirty="0"/>
           </a:p>
@@ -2616,7 +2627,7 @@
           <a:p>
             <a:fld id="{92BEA474-078D-4E9B-9B14-09A87B19DC46}" type="datetime1">
               <a:rPr lang="en-US" smtClean="0"/>
-              <a:t>7/19/2022</a:t>
+              <a:t>7/20/2022</a:t>
             </a:fld>
             <a:endParaRPr lang="en-US" dirty="0"/>
           </a:p>
@@ -2966,7 +2977,7 @@
           <a:p>
             <a:fld id="{4907D986-8816-4272-A432-0437A28A9828}" type="datetime1">
               <a:rPr lang="en-US" smtClean="0"/>
-              <a:t>7/19/2022</a:t>
+              <a:t>7/20/2022</a:t>
             </a:fld>
             <a:endParaRPr lang="en-US" dirty="0"/>
           </a:p>
@@ -3227,7 +3238,7 @@
           <a:p>
             <a:fld id="{62D6E202-B606-4609-B914-27C9371A1F6D}" type="datetime1">
               <a:rPr lang="en-US" smtClean="0"/>
-              <a:t>7/19/2022</a:t>
+              <a:t>7/20/2022</a:t>
             </a:fld>
             <a:endParaRPr lang="en-US" dirty="0"/>
           </a:p>
@@ -3952,7 +3963,7 @@
           <a:lstStyle/>
           <a:p>
             <a:r>
-              <a:rPr lang="en-US" sz="3700">
+              <a:rPr lang="en-US" sz="3700" dirty="0">
                 <a:solidFill>
                   <a:srgbClr val="FFFFFF"/>
                 </a:solidFill>
@@ -4130,21 +4141,23 @@
                   <a:srgbClr val="FFFFFF"/>
                 </a:solidFill>
               </a:rPr>
-              <a:t>-</a:t>
-            </a:r>
-            <a:r>
-              <a:rPr lang="en-US" sz="1800" u="sng" dirty="0">
+              <a:t>-Saccani Nicola</a:t>
+            </a:r>
+          </a:p>
+          <a:p>
+            <a:pPr>
+              <a:lnSpc>
+                <a:spcPct val="100000"/>
+              </a:lnSpc>
+            </a:pPr>
+            <a:r>
+              <a:rPr lang="en-US" sz="1800" dirty="0">
                 <a:solidFill>
                   <a:srgbClr val="FFFFFF"/>
                 </a:solidFill>
               </a:rPr>
-              <a:t>Saccani Nicola</a:t>
-            </a:r>
-            <a:endParaRPr lang="en-US" sz="1800" dirty="0">
-              <a:solidFill>
-                <a:srgbClr val="FFFFFF"/>
-              </a:solidFill>
-            </a:endParaRPr>
+              <a:t> </a:t>
+            </a:r>
           </a:p>
         </p:txBody>
       </p:sp>
@@ -4192,6 +4205,2441 @@
   </p:cSld>
   <p:clrMapOvr>
     <a:overrideClrMapping bg1="dk1" tx1="lt1" bg2="dk2" tx2="lt2" accent1="accent1" accent2="accent2" accent3="accent3" accent4="accent4" accent5="accent5" accent6="accent6" hlink="hlink" folHlink="folHlink"/>
+  </p:clrMapOvr>
+</p:sld>
+</file>
+
+<file path=ppt/slides/slide2.xml><?xml version="1.0" encoding="utf-8"?>
+<p:sld xmlns:a="http://schemas.openxmlformats.org/drawingml/2006/main" xmlns:r="http://schemas.openxmlformats.org/officeDocument/2006/relationships" xmlns:p="http://schemas.openxmlformats.org/presentationml/2006/main">
+  <p:cSld>
+    <p:bg>
+      <p:bgPr>
+        <a:solidFill>
+          <a:schemeClr val="bg1"/>
+        </a:solidFill>
+        <a:effectLst/>
+      </p:bgPr>
+    </p:bg>
+    <p:spTree>
+      <p:nvGrpSpPr>
+        <p:cNvPr id="1" name=""/>
+        <p:cNvGrpSpPr/>
+        <p:nvPr/>
+      </p:nvGrpSpPr>
+      <p:grpSpPr>
+        <a:xfrm>
+          <a:off x="0" y="0"/>
+          <a:ext cx="0" cy="0"/>
+          <a:chOff x="0" y="0"/>
+          <a:chExt cx="0" cy="0"/>
+        </a:xfrm>
+      </p:grpSpPr>
+      <p:sp>
+        <p:nvSpPr>
+          <p:cNvPr id="38" name="Rectangle 37">
+            <a:extLst>
+              <a:ext uri="{FF2B5EF4-FFF2-40B4-BE49-F238E27FC236}">
+                <a16:creationId xmlns:a16="http://schemas.microsoft.com/office/drawing/2014/main" id="{39E3965E-AC41-4711-9D10-E25ABB132D86}"/>
+              </a:ext>
+              <a:ext uri="{C183D7F6-B498-43B3-948B-1728B52AA6E4}">
+                <adec:decorative xmlns:adec="http://schemas.microsoft.com/office/drawing/2017/decorative" val="1"/>
+              </a:ext>
+            </a:extLst>
+          </p:cNvPr>
+          <p:cNvSpPr>
+            <a:spLocks noGrp="1" noRot="1" noChangeAspect="1" noMove="1" noResize="1" noEditPoints="1" noAdjustHandles="1" noChangeArrowheads="1" noChangeShapeType="1" noTextEdit="1"/>
+          </p:cNvSpPr>
+          <p:nvPr>
+            <p:extLst>
+              <p:ext uri="{386F3935-93C4-4BCD-93E2-E3B085C9AB24}">
+                <p16:designElem xmlns:p16="http://schemas.microsoft.com/office/powerpoint/2015/main" val="1"/>
+              </p:ext>
+            </p:extLst>
+          </p:nvPr>
+        </p:nvSpPr>
+        <p:spPr>
+          <a:xfrm>
+            <a:off x="3175" y="6400800"/>
+            <a:ext cx="12188825" cy="457200"/>
+          </a:xfrm>
+          <a:prstGeom prst="rect">
+            <a:avLst/>
+          </a:prstGeom>
+          <a:solidFill>
+            <a:srgbClr val="262626"/>
+          </a:solidFill>
+          <a:ln>
+            <a:noFill/>
+          </a:ln>
+        </p:spPr>
+        <p:style>
+          <a:lnRef idx="2">
+            <a:schemeClr val="accent1">
+              <a:shade val="50000"/>
+            </a:schemeClr>
+          </a:lnRef>
+          <a:fillRef idx="1">
+            <a:schemeClr val="accent1"/>
+          </a:fillRef>
+          <a:effectRef idx="0">
+            <a:schemeClr val="accent1"/>
+          </a:effectRef>
+          <a:fontRef idx="minor">
+            <a:schemeClr val="lt1"/>
+          </a:fontRef>
+        </p:style>
+      </p:sp>
+      <p:cxnSp>
+        <p:nvCxnSpPr>
+          <p:cNvPr id="40" name="Straight Connector 39">
+            <a:extLst>
+              <a:ext uri="{FF2B5EF4-FFF2-40B4-BE49-F238E27FC236}">
+                <a16:creationId xmlns:a16="http://schemas.microsoft.com/office/drawing/2014/main" id="{1F5DC8C3-BA5F-4EED-BB9A-A14272BD82A1}"/>
+              </a:ext>
+              <a:ext uri="{C183D7F6-B498-43B3-948B-1728B52AA6E4}">
+                <adec:decorative xmlns:adec="http://schemas.microsoft.com/office/drawing/2017/decorative" val="1"/>
+              </a:ext>
+            </a:extLst>
+          </p:cNvPr>
+          <p:cNvCxnSpPr>
+            <a:cxnSpLocks noGrp="1" noRot="1" noChangeAspect="1" noMove="1" noResize="1" noEditPoints="1" noAdjustHandles="1" noChangeArrowheads="1" noChangeShapeType="1"/>
+          </p:cNvCxnSpPr>
+          <p:nvPr>
+            <p:extLst>
+              <p:ext uri="{386F3935-93C4-4BCD-93E2-E3B085C9AB24}">
+                <p16:designElem xmlns:p16="http://schemas.microsoft.com/office/powerpoint/2015/main" val="1"/>
+              </p:ext>
+            </p:extLst>
+          </p:nvPr>
+        </p:nvCxnSpPr>
+        <p:spPr>
+          <a:xfrm>
+            <a:off x="1207658" y="4474741"/>
+            <a:ext cx="9875520" cy="0"/>
+          </a:xfrm>
+          <a:prstGeom prst="line">
+            <a:avLst/>
+          </a:prstGeom>
+          <a:ln w="12700">
+            <a:solidFill>
+              <a:schemeClr val="tx1">
+                <a:lumMod val="75000"/>
+                <a:lumOff val="25000"/>
+              </a:schemeClr>
+            </a:solidFill>
+          </a:ln>
+        </p:spPr>
+        <p:style>
+          <a:lnRef idx="1">
+            <a:schemeClr val="accent1"/>
+          </a:lnRef>
+          <a:fillRef idx="0">
+            <a:schemeClr val="accent1"/>
+          </a:fillRef>
+          <a:effectRef idx="0">
+            <a:schemeClr val="accent1"/>
+          </a:effectRef>
+          <a:fontRef idx="minor">
+            <a:schemeClr val="tx1"/>
+          </a:fontRef>
+        </p:style>
+      </p:cxnSp>
+      <p:sp useBgFill="1">
+        <p:nvSpPr>
+          <p:cNvPr id="42" name="Rectangle 41">
+            <a:extLst>
+              <a:ext uri="{FF2B5EF4-FFF2-40B4-BE49-F238E27FC236}">
+                <a16:creationId xmlns:a16="http://schemas.microsoft.com/office/drawing/2014/main" id="{33428ACC-71EC-4171-9527-10983BA6B41D}"/>
+              </a:ext>
+              <a:ext uri="{C183D7F6-B498-43B3-948B-1728B52AA6E4}">
+                <adec:decorative xmlns:adec="http://schemas.microsoft.com/office/drawing/2017/decorative" val="1"/>
+              </a:ext>
+            </a:extLst>
+          </p:cNvPr>
+          <p:cNvSpPr>
+            <a:spLocks noGrp="1" noRot="1" noChangeAspect="1" noMove="1" noResize="1" noEditPoints="1" noAdjustHandles="1" noChangeArrowheads="1" noChangeShapeType="1" noTextEdit="1"/>
+          </p:cNvSpPr>
+          <p:nvPr>
+            <p:extLst>
+              <p:ext uri="{386F3935-93C4-4BCD-93E2-E3B085C9AB24}">
+                <p16:designElem xmlns:p16="http://schemas.microsoft.com/office/powerpoint/2015/main" val="1"/>
+              </p:ext>
+            </p:extLst>
+          </p:nvPr>
+        </p:nvSpPr>
+        <p:spPr>
+          <a:xfrm>
+            <a:off x="0" y="0"/>
+            <a:ext cx="12192001" cy="6858000"/>
+          </a:xfrm>
+          <a:prstGeom prst="rect">
+            <a:avLst/>
+          </a:prstGeom>
+          <a:ln>
+            <a:noFill/>
+          </a:ln>
+        </p:spPr>
+        <p:style>
+          <a:lnRef idx="2">
+            <a:schemeClr val="accent1">
+              <a:shade val="50000"/>
+            </a:schemeClr>
+          </a:lnRef>
+          <a:fillRef idx="1">
+            <a:schemeClr val="accent1"/>
+          </a:fillRef>
+          <a:effectRef idx="0">
+            <a:schemeClr val="accent1"/>
+          </a:effectRef>
+          <a:fontRef idx="minor">
+            <a:schemeClr val="lt1"/>
+          </a:fontRef>
+        </p:style>
+        <p:txBody>
+          <a:bodyPr rtlCol="0" anchor="ctr"/>
+          <a:lstStyle/>
+          <a:p>
+            <a:pPr algn="ctr"/>
+            <a:endParaRPr lang="en-US"/>
+          </a:p>
+        </p:txBody>
+      </p:sp>
+      <p:sp>
+        <p:nvSpPr>
+          <p:cNvPr id="2" name="Titolo 1">
+            <a:extLst>
+              <a:ext uri="{FF2B5EF4-FFF2-40B4-BE49-F238E27FC236}">
+                <a16:creationId xmlns:a16="http://schemas.microsoft.com/office/drawing/2014/main" id="{BFC39B8F-9115-5268-119B-4708D458834A}"/>
+              </a:ext>
+            </a:extLst>
+          </p:cNvPr>
+          <p:cNvSpPr>
+            <a:spLocks noGrp="1"/>
+          </p:cNvSpPr>
+          <p:nvPr>
+            <p:ph type="title"/>
+          </p:nvPr>
+        </p:nvSpPr>
+        <p:spPr>
+          <a:xfrm>
+            <a:off x="8141110" y="639098"/>
+            <a:ext cx="3401961" cy="3494790"/>
+          </a:xfrm>
+        </p:spPr>
+        <p:txBody>
+          <a:bodyPr vert="horz" lIns="91440" tIns="45720" rIns="91440" bIns="45720" rtlCol="0" anchor="b">
+            <a:normAutofit/>
+          </a:bodyPr>
+          <a:lstStyle/>
+          <a:p>
+            <a:r>
+              <a:rPr lang="en-US" sz="4200" dirty="0">
+                <a:solidFill>
+                  <a:schemeClr val="tx1">
+                    <a:lumMod val="85000"/>
+                    <a:lumOff val="15000"/>
+                  </a:schemeClr>
+                </a:solidFill>
+              </a:rPr>
+              <a:t>Quality Function Deployment</a:t>
+            </a:r>
+          </a:p>
+        </p:txBody>
+      </p:sp>
+      <p:pic>
+        <p:nvPicPr>
+          <p:cNvPr id="5" name="Segnaposto contenuto 4">
+            <a:extLst>
+              <a:ext uri="{FF2B5EF4-FFF2-40B4-BE49-F238E27FC236}">
+                <a16:creationId xmlns:a16="http://schemas.microsoft.com/office/drawing/2014/main" id="{75D923E1-3C64-CF21-189F-D0F3A286A64D}"/>
+              </a:ext>
+            </a:extLst>
+          </p:cNvPr>
+          <p:cNvPicPr>
+            <a:picLocks noGrp="1" noChangeAspect="1"/>
+          </p:cNvPicPr>
+          <p:nvPr>
+            <p:ph idx="1"/>
+          </p:nvPr>
+        </p:nvPicPr>
+        <p:blipFill rotWithShape="1">
+          <a:blip r:embed="rId2">
+            <a:extLst>
+              <a:ext uri="{28A0092B-C50C-407E-A947-70E740481C1C}">
+                <a14:useLocalDpi xmlns:a14="http://schemas.microsoft.com/office/drawing/2010/main" val="0"/>
+              </a:ext>
+            </a:extLst>
+          </a:blip>
+          <a:srcRect t="101" r="12298" b="-1"/>
+          <a:stretch/>
+        </p:blipFill>
+        <p:spPr>
+          <a:xfrm>
+            <a:off x="202795" y="455885"/>
+            <a:ext cx="7803715" cy="5489030"/>
+          </a:xfrm>
+          <a:prstGeom prst="rect">
+            <a:avLst/>
+          </a:prstGeom>
+        </p:spPr>
+      </p:pic>
+      <p:cxnSp>
+        <p:nvCxnSpPr>
+          <p:cNvPr id="44" name="Straight Connector 43">
+            <a:extLst>
+              <a:ext uri="{FF2B5EF4-FFF2-40B4-BE49-F238E27FC236}">
+                <a16:creationId xmlns:a16="http://schemas.microsoft.com/office/drawing/2014/main" id="{BA22713B-ABB6-4391-97F9-0449A2B9B664}"/>
+              </a:ext>
+              <a:ext uri="{C183D7F6-B498-43B3-948B-1728B52AA6E4}">
+                <adec:decorative xmlns:adec="http://schemas.microsoft.com/office/drawing/2017/decorative" val="1"/>
+              </a:ext>
+            </a:extLst>
+          </p:cNvPr>
+          <p:cNvCxnSpPr>
+            <a:cxnSpLocks noGrp="1" noRot="1" noChangeAspect="1" noMove="1" noResize="1" noEditPoints="1" noAdjustHandles="1" noChangeArrowheads="1" noChangeShapeType="1"/>
+          </p:cNvCxnSpPr>
+          <p:nvPr>
+            <p:extLst>
+              <p:ext uri="{386F3935-93C4-4BCD-93E2-E3B085C9AB24}">
+                <p16:designElem xmlns:p16="http://schemas.microsoft.com/office/powerpoint/2015/main" val="1"/>
+              </p:ext>
+            </p:extLst>
+          </p:nvPr>
+        </p:nvCxnSpPr>
+        <p:spPr>
+          <a:xfrm>
+            <a:off x="8209305" y="4294754"/>
+            <a:ext cx="3200400" cy="0"/>
+          </a:xfrm>
+          <a:prstGeom prst="line">
+            <a:avLst/>
+          </a:prstGeom>
+          <a:ln w="12700">
+            <a:solidFill>
+              <a:schemeClr val="tx1">
+                <a:lumMod val="75000"/>
+                <a:lumOff val="25000"/>
+              </a:schemeClr>
+            </a:solidFill>
+          </a:ln>
+        </p:spPr>
+        <p:style>
+          <a:lnRef idx="1">
+            <a:schemeClr val="accent1"/>
+          </a:lnRef>
+          <a:fillRef idx="0">
+            <a:schemeClr val="accent1"/>
+          </a:fillRef>
+          <a:effectRef idx="0">
+            <a:schemeClr val="accent1"/>
+          </a:effectRef>
+          <a:fontRef idx="minor">
+            <a:schemeClr val="tx1"/>
+          </a:fontRef>
+        </p:style>
+      </p:cxnSp>
+      <p:sp>
+        <p:nvSpPr>
+          <p:cNvPr id="46" name="Rectangle 45">
+            <a:extLst>
+              <a:ext uri="{FF2B5EF4-FFF2-40B4-BE49-F238E27FC236}">
+                <a16:creationId xmlns:a16="http://schemas.microsoft.com/office/drawing/2014/main" id="{8D4480B4-953D-41FA-9052-09AB3A026947}"/>
+              </a:ext>
+              <a:ext uri="{C183D7F6-B498-43B3-948B-1728B52AA6E4}">
+                <adec:decorative xmlns:adec="http://schemas.microsoft.com/office/drawing/2017/decorative" val="1"/>
+              </a:ext>
+            </a:extLst>
+          </p:cNvPr>
+          <p:cNvSpPr>
+            <a:spLocks noGrp="1" noRot="1" noChangeAspect="1" noMove="1" noResize="1" noEditPoints="1" noAdjustHandles="1" noChangeArrowheads="1" noChangeShapeType="1" noTextEdit="1"/>
+          </p:cNvSpPr>
+          <p:nvPr>
+            <p:extLst>
+              <p:ext uri="{386F3935-93C4-4BCD-93E2-E3B085C9AB24}">
+                <p16:designElem xmlns:p16="http://schemas.microsoft.com/office/powerpoint/2015/main" val="1"/>
+              </p:ext>
+            </p:extLst>
+          </p:nvPr>
+        </p:nvSpPr>
+        <p:spPr>
+          <a:xfrm>
+            <a:off x="0" y="6400800"/>
+            <a:ext cx="12192000" cy="457200"/>
+          </a:xfrm>
+          <a:prstGeom prst="rect">
+            <a:avLst/>
+          </a:prstGeom>
+          <a:solidFill>
+            <a:srgbClr val="262626"/>
+          </a:solidFill>
+          <a:ln>
+            <a:noFill/>
+          </a:ln>
+        </p:spPr>
+        <p:style>
+          <a:lnRef idx="2">
+            <a:schemeClr val="accent1">
+              <a:shade val="50000"/>
+            </a:schemeClr>
+          </a:lnRef>
+          <a:fillRef idx="1">
+            <a:schemeClr val="accent1"/>
+          </a:fillRef>
+          <a:effectRef idx="0">
+            <a:schemeClr val="accent1"/>
+          </a:effectRef>
+          <a:fontRef idx="minor">
+            <a:schemeClr val="lt1"/>
+          </a:fontRef>
+        </p:style>
+      </p:sp>
+    </p:spTree>
+    <p:extLst>
+      <p:ext uri="{BB962C8B-B14F-4D97-AF65-F5344CB8AC3E}">
+        <p14:creationId xmlns:p14="http://schemas.microsoft.com/office/powerpoint/2010/main" val="2073046852"/>
+      </p:ext>
+    </p:extLst>
+  </p:cSld>
+  <p:clrMapOvr>
+    <a:masterClrMapping/>
+  </p:clrMapOvr>
+</p:sld>
+</file>
+
+<file path=ppt/slides/slide3.xml><?xml version="1.0" encoding="utf-8"?>
+<p:sld xmlns:a="http://schemas.openxmlformats.org/drawingml/2006/main" xmlns:r="http://schemas.openxmlformats.org/officeDocument/2006/relationships" xmlns:p="http://schemas.openxmlformats.org/presentationml/2006/main">
+  <p:cSld>
+    <p:bg>
+      <p:bgPr>
+        <a:solidFill>
+          <a:schemeClr val="bg1"/>
+        </a:solidFill>
+        <a:effectLst/>
+      </p:bgPr>
+    </p:bg>
+    <p:spTree>
+      <p:nvGrpSpPr>
+        <p:cNvPr id="1" name=""/>
+        <p:cNvGrpSpPr/>
+        <p:nvPr/>
+      </p:nvGrpSpPr>
+      <p:grpSpPr>
+        <a:xfrm>
+          <a:off x="0" y="0"/>
+          <a:ext cx="0" cy="0"/>
+          <a:chOff x="0" y="0"/>
+          <a:chExt cx="0" cy="0"/>
+        </a:xfrm>
+      </p:grpSpPr>
+      <p:sp>
+        <p:nvSpPr>
+          <p:cNvPr id="10" name="Rectangle 9">
+            <a:extLst>
+              <a:ext uri="{FF2B5EF4-FFF2-40B4-BE49-F238E27FC236}">
+                <a16:creationId xmlns:a16="http://schemas.microsoft.com/office/drawing/2014/main" id="{39E3965E-AC41-4711-9D10-E25ABB132D86}"/>
+              </a:ext>
+              <a:ext uri="{C183D7F6-B498-43B3-948B-1728B52AA6E4}">
+                <adec:decorative xmlns:adec="http://schemas.microsoft.com/office/drawing/2017/decorative" val="1"/>
+              </a:ext>
+            </a:extLst>
+          </p:cNvPr>
+          <p:cNvSpPr>
+            <a:spLocks noGrp="1" noRot="1" noChangeAspect="1" noMove="1" noResize="1" noEditPoints="1" noAdjustHandles="1" noChangeArrowheads="1" noChangeShapeType="1" noTextEdit="1"/>
+          </p:cNvSpPr>
+          <p:nvPr>
+            <p:extLst>
+              <p:ext uri="{386F3935-93C4-4BCD-93E2-E3B085C9AB24}">
+                <p16:designElem xmlns:p16="http://schemas.microsoft.com/office/powerpoint/2015/main" val="1"/>
+              </p:ext>
+            </p:extLst>
+          </p:nvPr>
+        </p:nvSpPr>
+        <p:spPr>
+          <a:xfrm>
+            <a:off x="3175" y="6400800"/>
+            <a:ext cx="12188825" cy="457200"/>
+          </a:xfrm>
+          <a:prstGeom prst="rect">
+            <a:avLst/>
+          </a:prstGeom>
+          <a:solidFill>
+            <a:srgbClr val="262626"/>
+          </a:solidFill>
+          <a:ln>
+            <a:noFill/>
+          </a:ln>
+        </p:spPr>
+        <p:style>
+          <a:lnRef idx="2">
+            <a:schemeClr val="accent1">
+              <a:shade val="50000"/>
+            </a:schemeClr>
+          </a:lnRef>
+          <a:fillRef idx="1">
+            <a:schemeClr val="accent1"/>
+          </a:fillRef>
+          <a:effectRef idx="0">
+            <a:schemeClr val="accent1"/>
+          </a:effectRef>
+          <a:fontRef idx="minor">
+            <a:schemeClr val="lt1"/>
+          </a:fontRef>
+        </p:style>
+      </p:sp>
+      <p:cxnSp>
+        <p:nvCxnSpPr>
+          <p:cNvPr id="12" name="Straight Connector 11">
+            <a:extLst>
+              <a:ext uri="{FF2B5EF4-FFF2-40B4-BE49-F238E27FC236}">
+                <a16:creationId xmlns:a16="http://schemas.microsoft.com/office/drawing/2014/main" id="{1F5DC8C3-BA5F-4EED-BB9A-A14272BD82A1}"/>
+              </a:ext>
+              <a:ext uri="{C183D7F6-B498-43B3-948B-1728B52AA6E4}">
+                <adec:decorative xmlns:adec="http://schemas.microsoft.com/office/drawing/2017/decorative" val="1"/>
+              </a:ext>
+            </a:extLst>
+          </p:cNvPr>
+          <p:cNvCxnSpPr>
+            <a:cxnSpLocks noGrp="1" noRot="1" noChangeAspect="1" noMove="1" noResize="1" noEditPoints="1" noAdjustHandles="1" noChangeArrowheads="1" noChangeShapeType="1"/>
+          </p:cNvCxnSpPr>
+          <p:nvPr>
+            <p:extLst>
+              <p:ext uri="{386F3935-93C4-4BCD-93E2-E3B085C9AB24}">
+                <p16:designElem xmlns:p16="http://schemas.microsoft.com/office/powerpoint/2015/main" val="1"/>
+              </p:ext>
+            </p:extLst>
+          </p:nvPr>
+        </p:nvCxnSpPr>
+        <p:spPr>
+          <a:xfrm>
+            <a:off x="1207658" y="4474741"/>
+            <a:ext cx="9875520" cy="0"/>
+          </a:xfrm>
+          <a:prstGeom prst="line">
+            <a:avLst/>
+          </a:prstGeom>
+          <a:ln w="12700">
+            <a:solidFill>
+              <a:schemeClr val="tx1">
+                <a:lumMod val="75000"/>
+                <a:lumOff val="25000"/>
+              </a:schemeClr>
+            </a:solidFill>
+          </a:ln>
+        </p:spPr>
+        <p:style>
+          <a:lnRef idx="1">
+            <a:schemeClr val="accent1"/>
+          </a:lnRef>
+          <a:fillRef idx="0">
+            <a:schemeClr val="accent1"/>
+          </a:fillRef>
+          <a:effectRef idx="0">
+            <a:schemeClr val="accent1"/>
+          </a:effectRef>
+          <a:fontRef idx="minor">
+            <a:schemeClr val="tx1"/>
+          </a:fontRef>
+        </p:style>
+      </p:cxnSp>
+      <p:sp useBgFill="1">
+        <p:nvSpPr>
+          <p:cNvPr id="14" name="Rectangle 13">
+            <a:extLst>
+              <a:ext uri="{FF2B5EF4-FFF2-40B4-BE49-F238E27FC236}">
+                <a16:creationId xmlns:a16="http://schemas.microsoft.com/office/drawing/2014/main" id="{990BAFCD-EA0A-47F4-8B00-AAB1E67A90CC}"/>
+              </a:ext>
+              <a:ext uri="{C183D7F6-B498-43B3-948B-1728B52AA6E4}">
+                <adec:decorative xmlns:adec="http://schemas.microsoft.com/office/drawing/2017/decorative" val="1"/>
+              </a:ext>
+            </a:extLst>
+          </p:cNvPr>
+          <p:cNvSpPr>
+            <a:spLocks noGrp="1" noRot="1" noChangeAspect="1" noMove="1" noResize="1" noEditPoints="1" noAdjustHandles="1" noChangeArrowheads="1" noChangeShapeType="1" noTextEdit="1"/>
+          </p:cNvSpPr>
+          <p:nvPr>
+            <p:extLst>
+              <p:ext uri="{386F3935-93C4-4BCD-93E2-E3B085C9AB24}">
+                <p16:designElem xmlns:p16="http://schemas.microsoft.com/office/powerpoint/2015/main" val="1"/>
+              </p:ext>
+            </p:extLst>
+          </p:nvPr>
+        </p:nvSpPr>
+        <p:spPr>
+          <a:xfrm>
+            <a:off x="0" y="0"/>
+            <a:ext cx="12192001" cy="6858000"/>
+          </a:xfrm>
+          <a:prstGeom prst="rect">
+            <a:avLst/>
+          </a:prstGeom>
+          <a:ln>
+            <a:noFill/>
+          </a:ln>
+        </p:spPr>
+        <p:style>
+          <a:lnRef idx="2">
+            <a:schemeClr val="accent1">
+              <a:shade val="50000"/>
+            </a:schemeClr>
+          </a:lnRef>
+          <a:fillRef idx="1">
+            <a:schemeClr val="accent1"/>
+          </a:fillRef>
+          <a:effectRef idx="0">
+            <a:schemeClr val="accent1"/>
+          </a:effectRef>
+          <a:fontRef idx="minor">
+            <a:schemeClr val="lt1"/>
+          </a:fontRef>
+        </p:style>
+        <p:txBody>
+          <a:bodyPr rtlCol="0" anchor="ctr"/>
+          <a:lstStyle/>
+          <a:p>
+            <a:pPr algn="ctr"/>
+            <a:endParaRPr lang="en-US"/>
+          </a:p>
+        </p:txBody>
+      </p:sp>
+      <p:pic>
+        <p:nvPicPr>
+          <p:cNvPr id="5" name="Segnaposto contenuto 4">
+            <a:extLst>
+              <a:ext uri="{FF2B5EF4-FFF2-40B4-BE49-F238E27FC236}">
+                <a16:creationId xmlns:a16="http://schemas.microsoft.com/office/drawing/2014/main" id="{5A3AC816-0DA8-32D6-FE70-5C1505E6C5D2}"/>
+              </a:ext>
+            </a:extLst>
+          </p:cNvPr>
+          <p:cNvPicPr>
+            <a:picLocks noGrp="1" noChangeAspect="1"/>
+          </p:cNvPicPr>
+          <p:nvPr>
+            <p:ph idx="1"/>
+          </p:nvPr>
+        </p:nvPicPr>
+        <p:blipFill>
+          <a:blip r:embed="rId2">
+            <a:extLst>
+              <a:ext uri="{28A0092B-C50C-407E-A947-70E740481C1C}">
+                <a14:useLocalDpi xmlns:a14="http://schemas.microsoft.com/office/drawing/2010/main" val="0"/>
+              </a:ext>
+            </a:extLst>
+          </a:blip>
+          <a:stretch>
+            <a:fillRect/>
+          </a:stretch>
+        </p:blipFill>
+        <p:spPr>
+          <a:xfrm>
+            <a:off x="548274" y="313078"/>
+            <a:ext cx="10925102" cy="3414094"/>
+          </a:xfrm>
+          <a:prstGeom prst="rect">
+            <a:avLst/>
+          </a:prstGeom>
+        </p:spPr>
+      </p:pic>
+      <p:sp>
+        <p:nvSpPr>
+          <p:cNvPr id="16" name="Rectangle 15">
+            <a:extLst>
+              <a:ext uri="{FF2B5EF4-FFF2-40B4-BE49-F238E27FC236}">
+                <a16:creationId xmlns:a16="http://schemas.microsoft.com/office/drawing/2014/main" id="{2F9C61D6-37CC-4AD4-83C3-022D08874179}"/>
+              </a:ext>
+              <a:ext uri="{C183D7F6-B498-43B3-948B-1728B52AA6E4}">
+                <adec:decorative xmlns:adec="http://schemas.microsoft.com/office/drawing/2017/decorative" val="1"/>
+              </a:ext>
+            </a:extLst>
+          </p:cNvPr>
+          <p:cNvSpPr>
+            <a:spLocks noGrp="1" noRot="1" noChangeAspect="1" noMove="1" noResize="1" noEditPoints="1" noAdjustHandles="1" noChangeArrowheads="1" noChangeShapeType="1" noTextEdit="1"/>
+          </p:cNvSpPr>
+          <p:nvPr>
+            <p:extLst>
+              <p:ext uri="{386F3935-93C4-4BCD-93E2-E3B085C9AB24}">
+                <p16:designElem xmlns:p16="http://schemas.microsoft.com/office/powerpoint/2015/main" val="1"/>
+              </p:ext>
+            </p:extLst>
+          </p:nvPr>
+        </p:nvSpPr>
+        <p:spPr bwMode="white">
+          <a:xfrm>
+            <a:off x="0" y="4551037"/>
+            <a:ext cx="12192000" cy="2306963"/>
+          </a:xfrm>
+          <a:prstGeom prst="rect">
+            <a:avLst/>
+          </a:prstGeom>
+          <a:solidFill>
+            <a:srgbClr val="262626"/>
+          </a:solidFill>
+          <a:ln>
+            <a:noFill/>
+          </a:ln>
+        </p:spPr>
+        <p:style>
+          <a:lnRef idx="2">
+            <a:schemeClr val="accent1">
+              <a:shade val="50000"/>
+            </a:schemeClr>
+          </a:lnRef>
+          <a:fillRef idx="1">
+            <a:schemeClr val="accent1"/>
+          </a:fillRef>
+          <a:effectRef idx="0">
+            <a:schemeClr val="accent1"/>
+          </a:effectRef>
+          <a:fontRef idx="minor">
+            <a:schemeClr val="lt1"/>
+          </a:fontRef>
+        </p:style>
+      </p:sp>
+      <p:sp>
+        <p:nvSpPr>
+          <p:cNvPr id="2" name="Titolo 1">
+            <a:extLst>
+              <a:ext uri="{FF2B5EF4-FFF2-40B4-BE49-F238E27FC236}">
+                <a16:creationId xmlns:a16="http://schemas.microsoft.com/office/drawing/2014/main" id="{D4292143-209B-1916-8BFC-ECA3FECC11D7}"/>
+              </a:ext>
+            </a:extLst>
+          </p:cNvPr>
+          <p:cNvSpPr>
+            <a:spLocks noGrp="1"/>
+          </p:cNvSpPr>
+          <p:nvPr>
+            <p:ph type="title"/>
+          </p:nvPr>
+        </p:nvSpPr>
+        <p:spPr>
+          <a:xfrm>
+            <a:off x="632900" y="4905662"/>
+            <a:ext cx="7330353" cy="1541176"/>
+          </a:xfrm>
+        </p:spPr>
+        <p:txBody>
+          <a:bodyPr vert="horz" lIns="91440" tIns="45720" rIns="91440" bIns="45720" rtlCol="0" anchor="ctr">
+            <a:normAutofit/>
+          </a:bodyPr>
+          <a:lstStyle/>
+          <a:p>
+            <a:pPr algn="r"/>
+            <a:r>
+              <a:rPr lang="en-US" sz="4800" dirty="0">
+                <a:solidFill>
+                  <a:srgbClr val="FFFFFF"/>
+                </a:solidFill>
+              </a:rPr>
+              <a:t>Three case of study</a:t>
+            </a:r>
+          </a:p>
+        </p:txBody>
+      </p:sp>
+      <p:cxnSp>
+        <p:nvCxnSpPr>
+          <p:cNvPr id="18" name="Straight Connector 17">
+            <a:extLst>
+              <a:ext uri="{FF2B5EF4-FFF2-40B4-BE49-F238E27FC236}">
+                <a16:creationId xmlns:a16="http://schemas.microsoft.com/office/drawing/2014/main" id="{2669285E-35F6-4010-B084-229A808458CD}"/>
+              </a:ext>
+              <a:ext uri="{C183D7F6-B498-43B3-948B-1728B52AA6E4}">
+                <adec:decorative xmlns:adec="http://schemas.microsoft.com/office/drawing/2017/decorative" val="1"/>
+              </a:ext>
+            </a:extLst>
+          </p:cNvPr>
+          <p:cNvCxnSpPr>
+            <a:cxnSpLocks noGrp="1" noRot="1" noChangeAspect="1" noMove="1" noResize="1" noEditPoints="1" noAdjustHandles="1" noChangeArrowheads="1" noChangeShapeType="1"/>
+          </p:cNvCxnSpPr>
+          <p:nvPr>
+            <p:extLst>
+              <p:ext uri="{386F3935-93C4-4BCD-93E2-E3B085C9AB24}">
+                <p16:designElem xmlns:p16="http://schemas.microsoft.com/office/powerpoint/2015/main" val="1"/>
+              </p:ext>
+            </p:extLst>
+          </p:nvPr>
+        </p:nvCxnSpPr>
+        <p:spPr>
+          <a:xfrm rot="16200000">
+            <a:off x="7532847" y="5676251"/>
+            <a:ext cx="1188720" cy="0"/>
+          </a:xfrm>
+          <a:prstGeom prst="line">
+            <a:avLst/>
+          </a:prstGeom>
+          <a:ln w="19050">
+            <a:solidFill>
+              <a:schemeClr val="accent1"/>
+            </a:solidFill>
+          </a:ln>
+        </p:spPr>
+        <p:style>
+          <a:lnRef idx="1">
+            <a:schemeClr val="accent1"/>
+          </a:lnRef>
+          <a:fillRef idx="0">
+            <a:schemeClr val="accent1"/>
+          </a:fillRef>
+          <a:effectRef idx="0">
+            <a:schemeClr val="accent1"/>
+          </a:effectRef>
+          <a:fontRef idx="minor">
+            <a:schemeClr val="tx1"/>
+          </a:fontRef>
+        </p:style>
+      </p:cxnSp>
+      <p:sp>
+        <p:nvSpPr>
+          <p:cNvPr id="6" name="CasellaDiTesto 5">
+            <a:extLst>
+              <a:ext uri="{FF2B5EF4-FFF2-40B4-BE49-F238E27FC236}">
+                <a16:creationId xmlns:a16="http://schemas.microsoft.com/office/drawing/2014/main" id="{FB2DF2B9-9E26-2F66-4540-E6F8D6945E71}"/>
+              </a:ext>
+            </a:extLst>
+          </p:cNvPr>
+          <p:cNvSpPr txBox="1"/>
+          <p:nvPr/>
+        </p:nvSpPr>
+        <p:spPr>
+          <a:xfrm>
+            <a:off x="1207658" y="3173174"/>
+            <a:ext cx="2647950" cy="369332"/>
+          </a:xfrm>
+          <a:prstGeom prst="rect">
+            <a:avLst/>
+          </a:prstGeom>
+          <a:solidFill>
+            <a:schemeClr val="bg1"/>
+          </a:solidFill>
+        </p:spPr>
+        <p:txBody>
+          <a:bodyPr wrap="square" rtlCol="0">
+            <a:spAutoFit/>
+          </a:bodyPr>
+          <a:lstStyle/>
+          <a:p>
+            <a:pPr algn="ctr"/>
+            <a:r>
+              <a:rPr lang="it-IT" dirty="0"/>
+              <a:t>a) Push-up </a:t>
+            </a:r>
+            <a:r>
+              <a:rPr lang="it-IT" dirty="0" err="1"/>
+              <a:t>type</a:t>
+            </a:r>
+            <a:endParaRPr lang="it-IT" dirty="0"/>
+          </a:p>
+        </p:txBody>
+      </p:sp>
+      <p:sp>
+        <p:nvSpPr>
+          <p:cNvPr id="13" name="CasellaDiTesto 12">
+            <a:extLst>
+              <a:ext uri="{FF2B5EF4-FFF2-40B4-BE49-F238E27FC236}">
+                <a16:creationId xmlns:a16="http://schemas.microsoft.com/office/drawing/2014/main" id="{2B3973C4-5A5D-8E7A-59D0-E81AB5EE938D}"/>
+              </a:ext>
+            </a:extLst>
+          </p:cNvPr>
+          <p:cNvSpPr txBox="1"/>
+          <p:nvPr/>
+        </p:nvSpPr>
+        <p:spPr>
+          <a:xfrm>
+            <a:off x="4403882" y="3173174"/>
+            <a:ext cx="2647950" cy="369332"/>
+          </a:xfrm>
+          <a:prstGeom prst="rect">
+            <a:avLst/>
+          </a:prstGeom>
+          <a:solidFill>
+            <a:schemeClr val="bg1"/>
+          </a:solidFill>
+        </p:spPr>
+        <p:txBody>
+          <a:bodyPr wrap="square" rtlCol="0">
+            <a:spAutoFit/>
+          </a:bodyPr>
+          <a:lstStyle/>
+          <a:p>
+            <a:pPr algn="ctr"/>
+            <a:r>
+              <a:rPr lang="it-IT" dirty="0"/>
+              <a:t>b) </a:t>
+            </a:r>
+            <a:r>
+              <a:rPr lang="it-IT" dirty="0" err="1"/>
+              <a:t>Pod</a:t>
+            </a:r>
+            <a:r>
+              <a:rPr lang="it-IT" dirty="0"/>
+              <a:t>-rocker </a:t>
+            </a:r>
+            <a:r>
+              <a:rPr lang="it-IT" dirty="0" err="1"/>
+              <a:t>type</a:t>
+            </a:r>
+            <a:endParaRPr lang="it-IT" dirty="0"/>
+          </a:p>
+        </p:txBody>
+      </p:sp>
+      <p:sp>
+        <p:nvSpPr>
+          <p:cNvPr id="15" name="CasellaDiTesto 14">
+            <a:extLst>
+              <a:ext uri="{FF2B5EF4-FFF2-40B4-BE49-F238E27FC236}">
+                <a16:creationId xmlns:a16="http://schemas.microsoft.com/office/drawing/2014/main" id="{F7FD8BB6-DAFA-0F43-AD06-ABF9686CE428}"/>
+              </a:ext>
+            </a:extLst>
+          </p:cNvPr>
+          <p:cNvSpPr txBox="1"/>
+          <p:nvPr/>
+        </p:nvSpPr>
+        <p:spPr>
+          <a:xfrm>
+            <a:off x="7963253" y="3173174"/>
+            <a:ext cx="2647950" cy="369332"/>
+          </a:xfrm>
+          <a:prstGeom prst="rect">
+            <a:avLst/>
+          </a:prstGeom>
+          <a:solidFill>
+            <a:schemeClr val="bg1"/>
+          </a:solidFill>
+        </p:spPr>
+        <p:txBody>
+          <a:bodyPr wrap="square" rtlCol="0">
+            <a:spAutoFit/>
+          </a:bodyPr>
+          <a:lstStyle/>
+          <a:p>
+            <a:pPr algn="ctr"/>
+            <a:r>
+              <a:rPr lang="it-IT" dirty="0"/>
+              <a:t>c) </a:t>
+            </a:r>
+            <a:r>
+              <a:rPr lang="it-IT" dirty="0" err="1"/>
+              <a:t>Pod</a:t>
+            </a:r>
+            <a:r>
+              <a:rPr lang="it-IT" dirty="0"/>
+              <a:t>-pull </a:t>
+            </a:r>
+            <a:r>
+              <a:rPr lang="it-IT" dirty="0" err="1"/>
+              <a:t>type</a:t>
+            </a:r>
+            <a:endParaRPr lang="it-IT" dirty="0"/>
+          </a:p>
+        </p:txBody>
+      </p:sp>
+    </p:spTree>
+    <p:extLst>
+      <p:ext uri="{BB962C8B-B14F-4D97-AF65-F5344CB8AC3E}">
+        <p14:creationId xmlns:p14="http://schemas.microsoft.com/office/powerpoint/2010/main" val="3685364566"/>
+      </p:ext>
+    </p:extLst>
+  </p:cSld>
+  <p:clrMapOvr>
+    <a:masterClrMapping/>
+  </p:clrMapOvr>
+</p:sld>
+</file>
+
+<file path=ppt/slides/slide4.xml><?xml version="1.0" encoding="utf-8"?>
+<p:sld xmlns:a="http://schemas.openxmlformats.org/drawingml/2006/main" xmlns:r="http://schemas.openxmlformats.org/officeDocument/2006/relationships" xmlns:p="http://schemas.openxmlformats.org/presentationml/2006/main">
+  <p:cSld>
+    <p:spTree>
+      <p:nvGrpSpPr>
+        <p:cNvPr id="1" name=""/>
+        <p:cNvGrpSpPr/>
+        <p:nvPr/>
+      </p:nvGrpSpPr>
+      <p:grpSpPr>
+        <a:xfrm>
+          <a:off x="0" y="0"/>
+          <a:ext cx="0" cy="0"/>
+          <a:chOff x="0" y="0"/>
+          <a:chExt cx="0" cy="0"/>
+        </a:xfrm>
+      </p:grpSpPr>
+      <p:sp>
+        <p:nvSpPr>
+          <p:cNvPr id="2" name="Titolo 1">
+            <a:extLst>
+              <a:ext uri="{FF2B5EF4-FFF2-40B4-BE49-F238E27FC236}">
+                <a16:creationId xmlns:a16="http://schemas.microsoft.com/office/drawing/2014/main" id="{D2E67675-A02D-E819-7FAC-2C4ED022C207}"/>
+              </a:ext>
+            </a:extLst>
+          </p:cNvPr>
+          <p:cNvSpPr>
+            <a:spLocks noGrp="1"/>
+          </p:cNvSpPr>
+          <p:nvPr>
+            <p:ph type="title"/>
+          </p:nvPr>
+        </p:nvSpPr>
+        <p:spPr/>
+        <p:txBody>
+          <a:bodyPr/>
+          <a:lstStyle/>
+          <a:p>
+            <a:pPr algn="ctr"/>
+            <a:r>
+              <a:rPr lang="it-IT" b="1"/>
+              <a:t>KINEMATIC ANALYSIS</a:t>
+            </a:r>
+            <a:endParaRPr lang="it-IT" b="1" dirty="0"/>
+          </a:p>
+        </p:txBody>
+      </p:sp>
+      <p:sp>
+        <p:nvSpPr>
+          <p:cNvPr id="3" name="Segnaposto contenuto 2">
+            <a:extLst>
+              <a:ext uri="{FF2B5EF4-FFF2-40B4-BE49-F238E27FC236}">
+                <a16:creationId xmlns:a16="http://schemas.microsoft.com/office/drawing/2014/main" id="{71DD3AFC-BCA0-746A-86E1-FAF26C793C2C}"/>
+              </a:ext>
+            </a:extLst>
+          </p:cNvPr>
+          <p:cNvSpPr>
+            <a:spLocks noGrp="1"/>
+          </p:cNvSpPr>
+          <p:nvPr>
+            <p:ph idx="1"/>
+          </p:nvPr>
+        </p:nvSpPr>
+        <p:spPr>
+          <a:xfrm>
+            <a:off x="450146" y="2706963"/>
+            <a:ext cx="5228875" cy="2975118"/>
+          </a:xfrm>
+        </p:spPr>
+        <p:txBody>
+          <a:bodyPr/>
+          <a:lstStyle/>
+          <a:p>
+            <a:r>
+              <a:rPr lang="it-IT" sz="1800" dirty="0"/>
+              <a:t>Goals:</a:t>
+            </a:r>
+          </a:p>
+          <a:p>
+            <a:pPr>
+              <a:buFont typeface="Arial" panose="020B0604020202020204" pitchFamily="34" charset="0"/>
+              <a:buChar char="•"/>
+            </a:pPr>
+            <a:r>
+              <a:rPr lang="en-US" sz="1800" dirty="0"/>
+              <a:t>Derive the 2D kinematic model</a:t>
+            </a:r>
+            <a:r>
+              <a:rPr lang="it-IT" sz="1800" dirty="0"/>
+              <a:t>;</a:t>
+            </a:r>
+          </a:p>
+          <a:p>
+            <a:pPr>
+              <a:buFont typeface="Arial" panose="020B0604020202020204" pitchFamily="34" charset="0"/>
+              <a:buChar char="•"/>
+            </a:pPr>
+            <a:r>
+              <a:rPr lang="en-US" sz="1800" dirty="0"/>
+              <a:t>Address the initial position problem, position analysis and velocity analysis</a:t>
+            </a:r>
+            <a:r>
+              <a:rPr lang="it-IT" sz="1800" dirty="0"/>
+              <a:t>;</a:t>
+            </a:r>
+          </a:p>
+          <a:p>
+            <a:pPr>
+              <a:buFont typeface="Arial" panose="020B0604020202020204" pitchFamily="34" charset="0"/>
+              <a:buChar char="•"/>
+            </a:pPr>
+            <a:r>
+              <a:rPr lang="en-US" sz="1800" dirty="0"/>
+              <a:t>Compute the purely kinematic engineering specifications and performance indices</a:t>
+            </a:r>
+            <a:r>
+              <a:rPr lang="it-IT" sz="1800" dirty="0"/>
+              <a:t>;</a:t>
+            </a:r>
+          </a:p>
+          <a:p>
+            <a:pPr>
+              <a:buFont typeface="Arial" panose="020B0604020202020204" pitchFamily="34" charset="0"/>
+              <a:buChar char="•"/>
+            </a:pPr>
+            <a:r>
+              <a:rPr lang="it-IT" sz="1800" dirty="0"/>
+              <a:t>Produce </a:t>
+            </a:r>
+            <a:r>
+              <a:rPr lang="it-IT" sz="1800" dirty="0" err="1"/>
+              <a:t>dimensional</a:t>
+            </a:r>
+            <a:r>
+              <a:rPr lang="it-IT" sz="1800" dirty="0"/>
+              <a:t> </a:t>
+            </a:r>
+            <a:r>
+              <a:rPr lang="it-IT" sz="1800" dirty="0" err="1"/>
+              <a:t>optimization</a:t>
+            </a:r>
+            <a:r>
+              <a:rPr lang="it-IT" sz="1800" dirty="0"/>
+              <a:t>.</a:t>
+            </a:r>
+          </a:p>
+          <a:p>
+            <a:pPr marL="0" indent="0">
+              <a:buNone/>
+            </a:pPr>
+            <a:endParaRPr lang="it-IT" dirty="0"/>
+          </a:p>
+        </p:txBody>
+      </p:sp>
+      <p:pic>
+        <p:nvPicPr>
+          <p:cNvPr id="7" name="Immagine 6">
+            <a:extLst>
+              <a:ext uri="{FF2B5EF4-FFF2-40B4-BE49-F238E27FC236}">
+                <a16:creationId xmlns:a16="http://schemas.microsoft.com/office/drawing/2014/main" id="{B5D145D7-F558-8008-7C06-EEEFD9BDB0B5}"/>
+              </a:ext>
+            </a:extLst>
+          </p:cNvPr>
+          <p:cNvPicPr>
+            <a:picLocks noChangeAspect="1"/>
+          </p:cNvPicPr>
+          <p:nvPr/>
+        </p:nvPicPr>
+        <p:blipFill>
+          <a:blip r:embed="rId2"/>
+          <a:stretch>
+            <a:fillRect/>
+          </a:stretch>
+        </p:blipFill>
+        <p:spPr>
+          <a:xfrm>
+            <a:off x="6012024" y="3350319"/>
+            <a:ext cx="6022189" cy="2331762"/>
+          </a:xfrm>
+          <a:prstGeom prst="rect">
+            <a:avLst/>
+          </a:prstGeom>
+        </p:spPr>
+      </p:pic>
+      <p:cxnSp>
+        <p:nvCxnSpPr>
+          <p:cNvPr id="9" name="Connettore diritto 8">
+            <a:extLst>
+              <a:ext uri="{FF2B5EF4-FFF2-40B4-BE49-F238E27FC236}">
+                <a16:creationId xmlns:a16="http://schemas.microsoft.com/office/drawing/2014/main" id="{FA935FAC-5BF7-DD4B-0EE4-6CF30751C495}"/>
+              </a:ext>
+            </a:extLst>
+          </p:cNvPr>
+          <p:cNvCxnSpPr/>
+          <p:nvPr/>
+        </p:nvCxnSpPr>
+        <p:spPr>
+          <a:xfrm>
+            <a:off x="5805390" y="2532409"/>
+            <a:ext cx="0" cy="3629025"/>
+          </a:xfrm>
+          <a:prstGeom prst="line">
+            <a:avLst/>
+          </a:prstGeom>
+        </p:spPr>
+        <p:style>
+          <a:lnRef idx="3">
+            <a:schemeClr val="dk1"/>
+          </a:lnRef>
+          <a:fillRef idx="0">
+            <a:schemeClr val="dk1"/>
+          </a:fillRef>
+          <a:effectRef idx="2">
+            <a:schemeClr val="dk1"/>
+          </a:effectRef>
+          <a:fontRef idx="minor">
+            <a:schemeClr val="tx1"/>
+          </a:fontRef>
+        </p:style>
+      </p:cxnSp>
+      <p:sp>
+        <p:nvSpPr>
+          <p:cNvPr id="10" name="CasellaDiTesto 9">
+            <a:extLst>
+              <a:ext uri="{FF2B5EF4-FFF2-40B4-BE49-F238E27FC236}">
+                <a16:creationId xmlns:a16="http://schemas.microsoft.com/office/drawing/2014/main" id="{E3DF8ADF-C763-1D2D-C7EC-749F1A4762EC}"/>
+              </a:ext>
+            </a:extLst>
+          </p:cNvPr>
+          <p:cNvSpPr txBox="1"/>
+          <p:nvPr/>
+        </p:nvSpPr>
+        <p:spPr>
+          <a:xfrm>
+            <a:off x="6811346" y="2980987"/>
+            <a:ext cx="3974840" cy="369332"/>
+          </a:xfrm>
+          <a:prstGeom prst="rect">
+            <a:avLst/>
+          </a:prstGeom>
+          <a:noFill/>
+        </p:spPr>
+        <p:txBody>
+          <a:bodyPr wrap="square" rtlCol="0">
+            <a:spAutoFit/>
+          </a:bodyPr>
+          <a:lstStyle/>
+          <a:p>
+            <a:pPr algn="ctr"/>
+            <a:r>
+              <a:rPr lang="it-IT" dirty="0" err="1"/>
+              <a:t>Decisions</a:t>
+            </a:r>
+            <a:r>
+              <a:rPr lang="it-IT" dirty="0"/>
+              <a:t>:</a:t>
+            </a:r>
+          </a:p>
+        </p:txBody>
+      </p:sp>
+    </p:spTree>
+    <p:extLst>
+      <p:ext uri="{BB962C8B-B14F-4D97-AF65-F5344CB8AC3E}">
+        <p14:creationId xmlns:p14="http://schemas.microsoft.com/office/powerpoint/2010/main" val="717787874"/>
+      </p:ext>
+    </p:extLst>
+  </p:cSld>
+  <p:clrMapOvr>
+    <a:masterClrMapping/>
+  </p:clrMapOvr>
+</p:sld>
+</file>
+
+<file path=ppt/slides/slide5.xml><?xml version="1.0" encoding="utf-8"?>
+<p:sld xmlns:a="http://schemas.openxmlformats.org/drawingml/2006/main" xmlns:r="http://schemas.openxmlformats.org/officeDocument/2006/relationships" xmlns:p="http://schemas.openxmlformats.org/presentationml/2006/main">
+  <p:cSld>
+    <p:bg>
+      <p:bgPr>
+        <a:solidFill>
+          <a:schemeClr val="bg1"/>
+        </a:solidFill>
+        <a:effectLst/>
+      </p:bgPr>
+    </p:bg>
+    <p:spTree>
+      <p:nvGrpSpPr>
+        <p:cNvPr id="1" name=""/>
+        <p:cNvGrpSpPr/>
+        <p:nvPr/>
+      </p:nvGrpSpPr>
+      <p:grpSpPr>
+        <a:xfrm>
+          <a:off x="0" y="0"/>
+          <a:ext cx="0" cy="0"/>
+          <a:chOff x="0" y="0"/>
+          <a:chExt cx="0" cy="0"/>
+        </a:xfrm>
+      </p:grpSpPr>
+      <p:sp>
+        <p:nvSpPr>
+          <p:cNvPr id="10" name="Rectangle 9">
+            <a:extLst>
+              <a:ext uri="{FF2B5EF4-FFF2-40B4-BE49-F238E27FC236}">
+                <a16:creationId xmlns:a16="http://schemas.microsoft.com/office/drawing/2014/main" id="{39E3965E-AC41-4711-9D10-E25ABB132D86}"/>
+              </a:ext>
+              <a:ext uri="{C183D7F6-B498-43B3-948B-1728B52AA6E4}">
+                <adec:decorative xmlns:adec="http://schemas.microsoft.com/office/drawing/2017/decorative" val="1"/>
+              </a:ext>
+            </a:extLst>
+          </p:cNvPr>
+          <p:cNvSpPr>
+            <a:spLocks noGrp="1" noRot="1" noChangeAspect="1" noMove="1" noResize="1" noEditPoints="1" noAdjustHandles="1" noChangeArrowheads="1" noChangeShapeType="1" noTextEdit="1"/>
+          </p:cNvSpPr>
+          <p:nvPr>
+            <p:extLst>
+              <p:ext uri="{386F3935-93C4-4BCD-93E2-E3B085C9AB24}">
+                <p16:designElem xmlns:p16="http://schemas.microsoft.com/office/powerpoint/2015/main" val="1"/>
+              </p:ext>
+            </p:extLst>
+          </p:nvPr>
+        </p:nvSpPr>
+        <p:spPr>
+          <a:xfrm>
+            <a:off x="3175" y="6400800"/>
+            <a:ext cx="12188825" cy="457200"/>
+          </a:xfrm>
+          <a:prstGeom prst="rect">
+            <a:avLst/>
+          </a:prstGeom>
+          <a:solidFill>
+            <a:srgbClr val="262626"/>
+          </a:solidFill>
+          <a:ln>
+            <a:noFill/>
+          </a:ln>
+        </p:spPr>
+        <p:style>
+          <a:lnRef idx="2">
+            <a:schemeClr val="accent1">
+              <a:shade val="50000"/>
+            </a:schemeClr>
+          </a:lnRef>
+          <a:fillRef idx="1">
+            <a:schemeClr val="accent1"/>
+          </a:fillRef>
+          <a:effectRef idx="0">
+            <a:schemeClr val="accent1"/>
+          </a:effectRef>
+          <a:fontRef idx="minor">
+            <a:schemeClr val="lt1"/>
+          </a:fontRef>
+        </p:style>
+      </p:sp>
+      <p:cxnSp>
+        <p:nvCxnSpPr>
+          <p:cNvPr id="12" name="Straight Connector 11">
+            <a:extLst>
+              <a:ext uri="{FF2B5EF4-FFF2-40B4-BE49-F238E27FC236}">
+                <a16:creationId xmlns:a16="http://schemas.microsoft.com/office/drawing/2014/main" id="{1F5DC8C3-BA5F-4EED-BB9A-A14272BD82A1}"/>
+              </a:ext>
+              <a:ext uri="{C183D7F6-B498-43B3-948B-1728B52AA6E4}">
+                <adec:decorative xmlns:adec="http://schemas.microsoft.com/office/drawing/2017/decorative" val="1"/>
+              </a:ext>
+            </a:extLst>
+          </p:cNvPr>
+          <p:cNvCxnSpPr>
+            <a:cxnSpLocks noGrp="1" noRot="1" noChangeAspect="1" noMove="1" noResize="1" noEditPoints="1" noAdjustHandles="1" noChangeArrowheads="1" noChangeShapeType="1"/>
+          </p:cNvCxnSpPr>
+          <p:nvPr>
+            <p:extLst>
+              <p:ext uri="{386F3935-93C4-4BCD-93E2-E3B085C9AB24}">
+                <p16:designElem xmlns:p16="http://schemas.microsoft.com/office/powerpoint/2015/main" val="1"/>
+              </p:ext>
+            </p:extLst>
+          </p:nvPr>
+        </p:nvCxnSpPr>
+        <p:spPr>
+          <a:xfrm>
+            <a:off x="1207658" y="4474741"/>
+            <a:ext cx="9875520" cy="0"/>
+          </a:xfrm>
+          <a:prstGeom prst="line">
+            <a:avLst/>
+          </a:prstGeom>
+          <a:ln w="12700">
+            <a:solidFill>
+              <a:schemeClr val="tx1">
+                <a:lumMod val="75000"/>
+                <a:lumOff val="25000"/>
+              </a:schemeClr>
+            </a:solidFill>
+          </a:ln>
+        </p:spPr>
+        <p:style>
+          <a:lnRef idx="1">
+            <a:schemeClr val="accent1"/>
+          </a:lnRef>
+          <a:fillRef idx="0">
+            <a:schemeClr val="accent1"/>
+          </a:fillRef>
+          <a:effectRef idx="0">
+            <a:schemeClr val="accent1"/>
+          </a:effectRef>
+          <a:fontRef idx="minor">
+            <a:schemeClr val="tx1"/>
+          </a:fontRef>
+        </p:style>
+      </p:cxnSp>
+      <p:sp useBgFill="1">
+        <p:nvSpPr>
+          <p:cNvPr id="14" name="Rectangle 13">
+            <a:extLst>
+              <a:ext uri="{FF2B5EF4-FFF2-40B4-BE49-F238E27FC236}">
+                <a16:creationId xmlns:a16="http://schemas.microsoft.com/office/drawing/2014/main" id="{B4D0E555-16F6-44D0-BF56-AF5FF5BDE9D6}"/>
+              </a:ext>
+              <a:ext uri="{C183D7F6-B498-43B3-948B-1728B52AA6E4}">
+                <adec:decorative xmlns:adec="http://schemas.microsoft.com/office/drawing/2017/decorative" val="1"/>
+              </a:ext>
+            </a:extLst>
+          </p:cNvPr>
+          <p:cNvSpPr>
+            <a:spLocks noGrp="1" noRot="1" noChangeAspect="1" noMove="1" noResize="1" noEditPoints="1" noAdjustHandles="1" noChangeArrowheads="1" noChangeShapeType="1" noTextEdit="1"/>
+          </p:cNvSpPr>
+          <p:nvPr>
+            <p:extLst>
+              <p:ext uri="{386F3935-93C4-4BCD-93E2-E3B085C9AB24}">
+                <p16:designElem xmlns:p16="http://schemas.microsoft.com/office/powerpoint/2015/main" val="1"/>
+              </p:ext>
+            </p:extLst>
+          </p:nvPr>
+        </p:nvSpPr>
+        <p:spPr>
+          <a:xfrm>
+            <a:off x="0" y="0"/>
+            <a:ext cx="12192000" cy="6858000"/>
+          </a:xfrm>
+          <a:prstGeom prst="rect">
+            <a:avLst/>
+          </a:prstGeom>
+          <a:ln>
+            <a:noFill/>
+          </a:ln>
+        </p:spPr>
+        <p:style>
+          <a:lnRef idx="2">
+            <a:schemeClr val="accent1">
+              <a:shade val="50000"/>
+            </a:schemeClr>
+          </a:lnRef>
+          <a:fillRef idx="1001">
+            <a:schemeClr val="lt1"/>
+          </a:fillRef>
+          <a:effectRef idx="0">
+            <a:schemeClr val="accent1"/>
+          </a:effectRef>
+          <a:fontRef idx="minor">
+            <a:schemeClr val="lt1"/>
+          </a:fontRef>
+        </p:style>
+        <p:txBody>
+          <a:bodyPr rtlCol="0" anchor="ctr"/>
+          <a:lstStyle/>
+          <a:p>
+            <a:pPr algn="ctr"/>
+            <a:endParaRPr lang="en-US"/>
+          </a:p>
+        </p:txBody>
+      </p:sp>
+      <p:sp>
+        <p:nvSpPr>
+          <p:cNvPr id="16" name="Rectangle 15">
+            <a:extLst>
+              <a:ext uri="{FF2B5EF4-FFF2-40B4-BE49-F238E27FC236}">
+                <a16:creationId xmlns:a16="http://schemas.microsoft.com/office/drawing/2014/main" id="{8117041D-1A7B-4ECA-AB68-3CFDB6726B8E}"/>
+              </a:ext>
+              <a:ext uri="{C183D7F6-B498-43B3-948B-1728B52AA6E4}">
+                <adec:decorative xmlns:adec="http://schemas.microsoft.com/office/drawing/2017/decorative" val="1"/>
+              </a:ext>
+            </a:extLst>
+          </p:cNvPr>
+          <p:cNvSpPr>
+            <a:spLocks noGrp="1" noRot="1" noChangeAspect="1" noMove="1" noResize="1" noEditPoints="1" noAdjustHandles="1" noChangeArrowheads="1" noChangeShapeType="1" noTextEdit="1"/>
+          </p:cNvSpPr>
+          <p:nvPr>
+            <p:extLst>
+              <p:ext uri="{386F3935-93C4-4BCD-93E2-E3B085C9AB24}">
+                <p16:designElem xmlns:p16="http://schemas.microsoft.com/office/powerpoint/2015/main" val="1"/>
+              </p:ext>
+            </p:extLst>
+          </p:nvPr>
+        </p:nvSpPr>
+        <p:spPr bwMode="white">
+          <a:xfrm>
+            <a:off x="-6220" y="0"/>
+            <a:ext cx="4641314" cy="6858000"/>
+          </a:xfrm>
+          <a:prstGeom prst="rect">
+            <a:avLst/>
+          </a:prstGeom>
+          <a:solidFill>
+            <a:srgbClr val="262626"/>
+          </a:solidFill>
+          <a:ln>
+            <a:noFill/>
+          </a:ln>
+        </p:spPr>
+        <p:style>
+          <a:lnRef idx="2">
+            <a:schemeClr val="accent1">
+              <a:shade val="50000"/>
+            </a:schemeClr>
+          </a:lnRef>
+          <a:fillRef idx="1">
+            <a:schemeClr val="accent1"/>
+          </a:fillRef>
+          <a:effectRef idx="0">
+            <a:schemeClr val="accent1"/>
+          </a:effectRef>
+          <a:fontRef idx="minor">
+            <a:schemeClr val="lt1"/>
+          </a:fontRef>
+        </p:style>
+      </p:sp>
+      <p:sp>
+        <p:nvSpPr>
+          <p:cNvPr id="2" name="Titolo 1">
+            <a:extLst>
+              <a:ext uri="{FF2B5EF4-FFF2-40B4-BE49-F238E27FC236}">
+                <a16:creationId xmlns:a16="http://schemas.microsoft.com/office/drawing/2014/main" id="{B752222F-1985-8498-0DE8-2C71555B1C61}"/>
+              </a:ext>
+            </a:extLst>
+          </p:cNvPr>
+          <p:cNvSpPr>
+            <a:spLocks noGrp="1"/>
+          </p:cNvSpPr>
+          <p:nvPr>
+            <p:ph type="title"/>
+          </p:nvPr>
+        </p:nvSpPr>
+        <p:spPr>
+          <a:xfrm>
+            <a:off x="435869" y="640080"/>
+            <a:ext cx="3659246" cy="2862699"/>
+          </a:xfrm>
+        </p:spPr>
+        <p:txBody>
+          <a:bodyPr vert="horz" lIns="91440" tIns="45720" rIns="91440" bIns="45720" rtlCol="0" anchor="b">
+            <a:normAutofit/>
+          </a:bodyPr>
+          <a:lstStyle/>
+          <a:p>
+            <a:r>
+              <a:rPr lang="en-US" sz="4400" dirty="0">
+                <a:solidFill>
+                  <a:srgbClr val="FFFFFF"/>
+                </a:solidFill>
+              </a:rPr>
+              <a:t>Push-up type</a:t>
+            </a:r>
+          </a:p>
+        </p:txBody>
+      </p:sp>
+      <p:cxnSp>
+        <p:nvCxnSpPr>
+          <p:cNvPr id="18" name="Straight Connector 17">
+            <a:extLst>
+              <a:ext uri="{FF2B5EF4-FFF2-40B4-BE49-F238E27FC236}">
+                <a16:creationId xmlns:a16="http://schemas.microsoft.com/office/drawing/2014/main" id="{ABCD2462-4C1E-401A-AC2D-F799A138B245}"/>
+              </a:ext>
+              <a:ext uri="{C183D7F6-B498-43B3-948B-1728B52AA6E4}">
+                <adec:decorative xmlns:adec="http://schemas.microsoft.com/office/drawing/2017/decorative" val="1"/>
+              </a:ext>
+            </a:extLst>
+          </p:cNvPr>
+          <p:cNvCxnSpPr>
+            <a:cxnSpLocks noGrp="1" noRot="1" noChangeAspect="1" noMove="1" noResize="1" noEditPoints="1" noAdjustHandles="1" noChangeArrowheads="1" noChangeShapeType="1"/>
+          </p:cNvCxnSpPr>
+          <p:nvPr>
+            <p:extLst>
+              <p:ext uri="{386F3935-93C4-4BCD-93E2-E3B085C9AB24}">
+                <p16:designElem xmlns:p16="http://schemas.microsoft.com/office/powerpoint/2015/main" val="1"/>
+              </p:ext>
+            </p:extLst>
+          </p:nvPr>
+        </p:nvCxnSpPr>
+        <p:spPr>
+          <a:xfrm>
+            <a:off x="573852" y="3663649"/>
+            <a:ext cx="3383280" cy="0"/>
+          </a:xfrm>
+          <a:prstGeom prst="line">
+            <a:avLst/>
+          </a:prstGeom>
+          <a:ln w="19050">
+            <a:solidFill>
+              <a:schemeClr val="accent1"/>
+            </a:solidFill>
+          </a:ln>
+        </p:spPr>
+        <p:style>
+          <a:lnRef idx="1">
+            <a:schemeClr val="accent1"/>
+          </a:lnRef>
+          <a:fillRef idx="0">
+            <a:schemeClr val="accent1"/>
+          </a:fillRef>
+          <a:effectRef idx="0">
+            <a:schemeClr val="accent1"/>
+          </a:effectRef>
+          <a:fontRef idx="minor">
+            <a:schemeClr val="tx1"/>
+          </a:fontRef>
+        </p:style>
+      </p:cxnSp>
+      <p:pic>
+        <p:nvPicPr>
+          <p:cNvPr id="5" name="Segnaposto contenuto 4">
+            <a:extLst>
+              <a:ext uri="{FF2B5EF4-FFF2-40B4-BE49-F238E27FC236}">
+                <a16:creationId xmlns:a16="http://schemas.microsoft.com/office/drawing/2014/main" id="{76F1D258-B092-498A-A8B8-C5441CC503EC}"/>
+              </a:ext>
+            </a:extLst>
+          </p:cNvPr>
+          <p:cNvPicPr>
+            <a:picLocks noGrp="1" noChangeAspect="1"/>
+          </p:cNvPicPr>
+          <p:nvPr>
+            <p:ph idx="1"/>
+          </p:nvPr>
+        </p:nvPicPr>
+        <p:blipFill>
+          <a:blip r:embed="rId2">
+            <a:extLst>
+              <a:ext uri="{28A0092B-C50C-407E-A947-70E740481C1C}">
+                <a14:useLocalDpi xmlns:a14="http://schemas.microsoft.com/office/drawing/2010/main" val="0"/>
+              </a:ext>
+            </a:extLst>
+          </a:blip>
+          <a:stretch>
+            <a:fillRect/>
+          </a:stretch>
+        </p:blipFill>
+        <p:spPr>
+          <a:xfrm>
+            <a:off x="5282335" y="1221479"/>
+            <a:ext cx="6275667" cy="4415042"/>
+          </a:xfrm>
+          <a:prstGeom prst="rect">
+            <a:avLst/>
+          </a:prstGeom>
+        </p:spPr>
+      </p:pic>
+    </p:spTree>
+    <p:extLst>
+      <p:ext uri="{BB962C8B-B14F-4D97-AF65-F5344CB8AC3E}">
+        <p14:creationId xmlns:p14="http://schemas.microsoft.com/office/powerpoint/2010/main" val="2514434328"/>
+      </p:ext>
+    </p:extLst>
+  </p:cSld>
+  <p:clrMapOvr>
+    <a:masterClrMapping/>
+  </p:clrMapOvr>
+</p:sld>
+</file>
+
+<file path=ppt/slides/slide6.xml><?xml version="1.0" encoding="utf-8"?>
+<p:sld xmlns:a="http://schemas.openxmlformats.org/drawingml/2006/main" xmlns:r="http://schemas.openxmlformats.org/officeDocument/2006/relationships" xmlns:p="http://schemas.openxmlformats.org/presentationml/2006/main">
+  <p:cSld>
+    <p:bg>
+      <p:bgPr>
+        <a:solidFill>
+          <a:schemeClr val="bg1"/>
+        </a:solidFill>
+        <a:effectLst/>
+      </p:bgPr>
+    </p:bg>
+    <p:spTree>
+      <p:nvGrpSpPr>
+        <p:cNvPr id="1" name=""/>
+        <p:cNvGrpSpPr/>
+        <p:nvPr/>
+      </p:nvGrpSpPr>
+      <p:grpSpPr>
+        <a:xfrm>
+          <a:off x="0" y="0"/>
+          <a:ext cx="0" cy="0"/>
+          <a:chOff x="0" y="0"/>
+          <a:chExt cx="0" cy="0"/>
+        </a:xfrm>
+      </p:grpSpPr>
+      <p:sp>
+        <p:nvSpPr>
+          <p:cNvPr id="10" name="Rectangle 9">
+            <a:extLst>
+              <a:ext uri="{FF2B5EF4-FFF2-40B4-BE49-F238E27FC236}">
+                <a16:creationId xmlns:a16="http://schemas.microsoft.com/office/drawing/2014/main" id="{39E3965E-AC41-4711-9D10-E25ABB132D86}"/>
+              </a:ext>
+              <a:ext uri="{C183D7F6-B498-43B3-948B-1728B52AA6E4}">
+                <adec:decorative xmlns:adec="http://schemas.microsoft.com/office/drawing/2017/decorative" val="1"/>
+              </a:ext>
+            </a:extLst>
+          </p:cNvPr>
+          <p:cNvSpPr>
+            <a:spLocks noGrp="1" noRot="1" noChangeAspect="1" noMove="1" noResize="1" noEditPoints="1" noAdjustHandles="1" noChangeArrowheads="1" noChangeShapeType="1" noTextEdit="1"/>
+          </p:cNvSpPr>
+          <p:nvPr>
+            <p:extLst>
+              <p:ext uri="{386F3935-93C4-4BCD-93E2-E3B085C9AB24}">
+                <p16:designElem xmlns:p16="http://schemas.microsoft.com/office/powerpoint/2015/main" val="1"/>
+              </p:ext>
+            </p:extLst>
+          </p:nvPr>
+        </p:nvSpPr>
+        <p:spPr>
+          <a:xfrm>
+            <a:off x="3175" y="6400800"/>
+            <a:ext cx="12188825" cy="457200"/>
+          </a:xfrm>
+          <a:prstGeom prst="rect">
+            <a:avLst/>
+          </a:prstGeom>
+          <a:solidFill>
+            <a:srgbClr val="262626"/>
+          </a:solidFill>
+          <a:ln>
+            <a:noFill/>
+          </a:ln>
+        </p:spPr>
+        <p:style>
+          <a:lnRef idx="2">
+            <a:schemeClr val="accent1">
+              <a:shade val="50000"/>
+            </a:schemeClr>
+          </a:lnRef>
+          <a:fillRef idx="1">
+            <a:schemeClr val="accent1"/>
+          </a:fillRef>
+          <a:effectRef idx="0">
+            <a:schemeClr val="accent1"/>
+          </a:effectRef>
+          <a:fontRef idx="minor">
+            <a:schemeClr val="lt1"/>
+          </a:fontRef>
+        </p:style>
+      </p:sp>
+      <p:cxnSp>
+        <p:nvCxnSpPr>
+          <p:cNvPr id="12" name="Straight Connector 11">
+            <a:extLst>
+              <a:ext uri="{FF2B5EF4-FFF2-40B4-BE49-F238E27FC236}">
+                <a16:creationId xmlns:a16="http://schemas.microsoft.com/office/drawing/2014/main" id="{1F5DC8C3-BA5F-4EED-BB9A-A14272BD82A1}"/>
+              </a:ext>
+              <a:ext uri="{C183D7F6-B498-43B3-948B-1728B52AA6E4}">
+                <adec:decorative xmlns:adec="http://schemas.microsoft.com/office/drawing/2017/decorative" val="1"/>
+              </a:ext>
+            </a:extLst>
+          </p:cNvPr>
+          <p:cNvCxnSpPr>
+            <a:cxnSpLocks noGrp="1" noRot="1" noChangeAspect="1" noMove="1" noResize="1" noEditPoints="1" noAdjustHandles="1" noChangeArrowheads="1" noChangeShapeType="1"/>
+          </p:cNvCxnSpPr>
+          <p:nvPr>
+            <p:extLst>
+              <p:ext uri="{386F3935-93C4-4BCD-93E2-E3B085C9AB24}">
+                <p16:designElem xmlns:p16="http://schemas.microsoft.com/office/powerpoint/2015/main" val="1"/>
+              </p:ext>
+            </p:extLst>
+          </p:nvPr>
+        </p:nvCxnSpPr>
+        <p:spPr>
+          <a:xfrm>
+            <a:off x="1207658" y="4474741"/>
+            <a:ext cx="9875520" cy="0"/>
+          </a:xfrm>
+          <a:prstGeom prst="line">
+            <a:avLst/>
+          </a:prstGeom>
+          <a:ln w="12700">
+            <a:solidFill>
+              <a:schemeClr val="tx1">
+                <a:lumMod val="75000"/>
+                <a:lumOff val="25000"/>
+              </a:schemeClr>
+            </a:solidFill>
+          </a:ln>
+        </p:spPr>
+        <p:style>
+          <a:lnRef idx="1">
+            <a:schemeClr val="accent1"/>
+          </a:lnRef>
+          <a:fillRef idx="0">
+            <a:schemeClr val="accent1"/>
+          </a:fillRef>
+          <a:effectRef idx="0">
+            <a:schemeClr val="accent1"/>
+          </a:effectRef>
+          <a:fontRef idx="minor">
+            <a:schemeClr val="tx1"/>
+          </a:fontRef>
+        </p:style>
+      </p:cxnSp>
+      <p:sp useBgFill="1">
+        <p:nvSpPr>
+          <p:cNvPr id="14" name="Rectangle 13">
+            <a:extLst>
+              <a:ext uri="{FF2B5EF4-FFF2-40B4-BE49-F238E27FC236}">
+                <a16:creationId xmlns:a16="http://schemas.microsoft.com/office/drawing/2014/main" id="{B4D0E555-16F6-44D0-BF56-AF5FF5BDE9D6}"/>
+              </a:ext>
+              <a:ext uri="{C183D7F6-B498-43B3-948B-1728B52AA6E4}">
+                <adec:decorative xmlns:adec="http://schemas.microsoft.com/office/drawing/2017/decorative" val="1"/>
+              </a:ext>
+            </a:extLst>
+          </p:cNvPr>
+          <p:cNvSpPr>
+            <a:spLocks noGrp="1" noRot="1" noChangeAspect="1" noMove="1" noResize="1" noEditPoints="1" noAdjustHandles="1" noChangeArrowheads="1" noChangeShapeType="1" noTextEdit="1"/>
+          </p:cNvSpPr>
+          <p:nvPr>
+            <p:extLst>
+              <p:ext uri="{386F3935-93C4-4BCD-93E2-E3B085C9AB24}">
+                <p16:designElem xmlns:p16="http://schemas.microsoft.com/office/powerpoint/2015/main" val="1"/>
+              </p:ext>
+            </p:extLst>
+          </p:nvPr>
+        </p:nvSpPr>
+        <p:spPr>
+          <a:xfrm>
+            <a:off x="0" y="0"/>
+            <a:ext cx="12192000" cy="6858000"/>
+          </a:xfrm>
+          <a:prstGeom prst="rect">
+            <a:avLst/>
+          </a:prstGeom>
+          <a:ln>
+            <a:noFill/>
+          </a:ln>
+        </p:spPr>
+        <p:style>
+          <a:lnRef idx="2">
+            <a:schemeClr val="accent1">
+              <a:shade val="50000"/>
+            </a:schemeClr>
+          </a:lnRef>
+          <a:fillRef idx="1001">
+            <a:schemeClr val="lt1"/>
+          </a:fillRef>
+          <a:effectRef idx="0">
+            <a:schemeClr val="accent1"/>
+          </a:effectRef>
+          <a:fontRef idx="minor">
+            <a:schemeClr val="lt1"/>
+          </a:fontRef>
+        </p:style>
+        <p:txBody>
+          <a:bodyPr rtlCol="0" anchor="ctr"/>
+          <a:lstStyle/>
+          <a:p>
+            <a:pPr marL="0" marR="0" lvl="0" indent="0" algn="ctr" defTabSz="914400" rtl="0" eaLnBrk="1" fontAlgn="auto" latinLnBrk="0" hangingPunct="1">
+              <a:lnSpc>
+                <a:spcPct val="100000"/>
+              </a:lnSpc>
+              <a:spcBef>
+                <a:spcPts val="0"/>
+              </a:spcBef>
+              <a:spcAft>
+                <a:spcPts val="0"/>
+              </a:spcAft>
+              <a:buClrTx/>
+              <a:buSzTx/>
+              <a:buFontTx/>
+              <a:buNone/>
+              <a:tabLst/>
+              <a:defRPr/>
+            </a:pPr>
+            <a:endParaRPr kumimoji="0" lang="en-US" sz="1800" b="0" i="0" u="none" strike="noStrike" kern="1200" cap="none" spc="0" normalizeH="0" baseline="0" noProof="0">
+              <a:ln>
+                <a:noFill/>
+              </a:ln>
+              <a:solidFill>
+                <a:prstClr val="white"/>
+              </a:solidFill>
+              <a:effectLst/>
+              <a:uLnTx/>
+              <a:uFillTx/>
+              <a:latin typeface="Avenir Next LT Pro" panose="020F0502020204030204"/>
+              <a:ea typeface="+mn-ea"/>
+              <a:cs typeface="+mn-cs"/>
+            </a:endParaRPr>
+          </a:p>
+        </p:txBody>
+      </p:sp>
+      <p:sp>
+        <p:nvSpPr>
+          <p:cNvPr id="16" name="Rectangle 15">
+            <a:extLst>
+              <a:ext uri="{FF2B5EF4-FFF2-40B4-BE49-F238E27FC236}">
+                <a16:creationId xmlns:a16="http://schemas.microsoft.com/office/drawing/2014/main" id="{8117041D-1A7B-4ECA-AB68-3CFDB6726B8E}"/>
+              </a:ext>
+              <a:ext uri="{C183D7F6-B498-43B3-948B-1728B52AA6E4}">
+                <adec:decorative xmlns:adec="http://schemas.microsoft.com/office/drawing/2017/decorative" val="1"/>
+              </a:ext>
+            </a:extLst>
+          </p:cNvPr>
+          <p:cNvSpPr>
+            <a:spLocks noGrp="1" noRot="1" noChangeAspect="1" noMove="1" noResize="1" noEditPoints="1" noAdjustHandles="1" noChangeArrowheads="1" noChangeShapeType="1" noTextEdit="1"/>
+          </p:cNvSpPr>
+          <p:nvPr>
+            <p:extLst>
+              <p:ext uri="{386F3935-93C4-4BCD-93E2-E3B085C9AB24}">
+                <p16:designElem xmlns:p16="http://schemas.microsoft.com/office/powerpoint/2015/main" val="1"/>
+              </p:ext>
+            </p:extLst>
+          </p:nvPr>
+        </p:nvSpPr>
+        <p:spPr bwMode="white">
+          <a:xfrm>
+            <a:off x="-6220" y="0"/>
+            <a:ext cx="4641314" cy="6858000"/>
+          </a:xfrm>
+          <a:prstGeom prst="rect">
+            <a:avLst/>
+          </a:prstGeom>
+          <a:solidFill>
+            <a:srgbClr val="262626"/>
+          </a:solidFill>
+          <a:ln>
+            <a:noFill/>
+          </a:ln>
+        </p:spPr>
+        <p:style>
+          <a:lnRef idx="2">
+            <a:schemeClr val="accent1">
+              <a:shade val="50000"/>
+            </a:schemeClr>
+          </a:lnRef>
+          <a:fillRef idx="1">
+            <a:schemeClr val="accent1"/>
+          </a:fillRef>
+          <a:effectRef idx="0">
+            <a:schemeClr val="accent1"/>
+          </a:effectRef>
+          <a:fontRef idx="minor">
+            <a:schemeClr val="lt1"/>
+          </a:fontRef>
+        </p:style>
+      </p:sp>
+      <p:sp>
+        <p:nvSpPr>
+          <p:cNvPr id="2" name="Titolo 1">
+            <a:extLst>
+              <a:ext uri="{FF2B5EF4-FFF2-40B4-BE49-F238E27FC236}">
+                <a16:creationId xmlns:a16="http://schemas.microsoft.com/office/drawing/2014/main" id="{B752222F-1985-8498-0DE8-2C71555B1C61}"/>
+              </a:ext>
+            </a:extLst>
+          </p:cNvPr>
+          <p:cNvSpPr>
+            <a:spLocks noGrp="1"/>
+          </p:cNvSpPr>
+          <p:nvPr>
+            <p:ph type="title"/>
+          </p:nvPr>
+        </p:nvSpPr>
+        <p:spPr>
+          <a:xfrm>
+            <a:off x="435869" y="640080"/>
+            <a:ext cx="3659246" cy="2862699"/>
+          </a:xfrm>
+        </p:spPr>
+        <p:txBody>
+          <a:bodyPr vert="horz" lIns="91440" tIns="45720" rIns="91440" bIns="45720" rtlCol="0" anchor="b">
+            <a:normAutofit/>
+          </a:bodyPr>
+          <a:lstStyle/>
+          <a:p>
+            <a:r>
+              <a:rPr lang="en-US" sz="4400" dirty="0">
+                <a:solidFill>
+                  <a:srgbClr val="FFFFFF"/>
+                </a:solidFill>
+              </a:rPr>
+              <a:t>Pod-rocker type</a:t>
+            </a:r>
+          </a:p>
+        </p:txBody>
+      </p:sp>
+      <p:cxnSp>
+        <p:nvCxnSpPr>
+          <p:cNvPr id="18" name="Straight Connector 17">
+            <a:extLst>
+              <a:ext uri="{FF2B5EF4-FFF2-40B4-BE49-F238E27FC236}">
+                <a16:creationId xmlns:a16="http://schemas.microsoft.com/office/drawing/2014/main" id="{ABCD2462-4C1E-401A-AC2D-F799A138B245}"/>
+              </a:ext>
+              <a:ext uri="{C183D7F6-B498-43B3-948B-1728B52AA6E4}">
+                <adec:decorative xmlns:adec="http://schemas.microsoft.com/office/drawing/2017/decorative" val="1"/>
+              </a:ext>
+            </a:extLst>
+          </p:cNvPr>
+          <p:cNvCxnSpPr>
+            <a:cxnSpLocks noGrp="1" noRot="1" noChangeAspect="1" noMove="1" noResize="1" noEditPoints="1" noAdjustHandles="1" noChangeArrowheads="1" noChangeShapeType="1"/>
+          </p:cNvCxnSpPr>
+          <p:nvPr>
+            <p:extLst>
+              <p:ext uri="{386F3935-93C4-4BCD-93E2-E3B085C9AB24}">
+                <p16:designElem xmlns:p16="http://schemas.microsoft.com/office/powerpoint/2015/main" val="1"/>
+              </p:ext>
+            </p:extLst>
+          </p:nvPr>
+        </p:nvCxnSpPr>
+        <p:spPr>
+          <a:xfrm>
+            <a:off x="573852" y="3663649"/>
+            <a:ext cx="3383280" cy="0"/>
+          </a:xfrm>
+          <a:prstGeom prst="line">
+            <a:avLst/>
+          </a:prstGeom>
+          <a:ln w="19050">
+            <a:solidFill>
+              <a:schemeClr val="accent1"/>
+            </a:solidFill>
+          </a:ln>
+        </p:spPr>
+        <p:style>
+          <a:lnRef idx="1">
+            <a:schemeClr val="accent1"/>
+          </a:lnRef>
+          <a:fillRef idx="0">
+            <a:schemeClr val="accent1"/>
+          </a:fillRef>
+          <a:effectRef idx="0">
+            <a:schemeClr val="accent1"/>
+          </a:effectRef>
+          <a:fontRef idx="minor">
+            <a:schemeClr val="tx1"/>
+          </a:fontRef>
+        </p:style>
+      </p:cxnSp>
+      <p:pic>
+        <p:nvPicPr>
+          <p:cNvPr id="7" name="Segnaposto contenuto 6">
+            <a:extLst>
+              <a:ext uri="{FF2B5EF4-FFF2-40B4-BE49-F238E27FC236}">
+                <a16:creationId xmlns:a16="http://schemas.microsoft.com/office/drawing/2014/main" id="{9FDBF14D-FEEA-B27E-DA76-101250CF91F4}"/>
+              </a:ext>
+            </a:extLst>
+          </p:cNvPr>
+          <p:cNvPicPr>
+            <a:picLocks noGrp="1" noChangeAspect="1"/>
+          </p:cNvPicPr>
+          <p:nvPr>
+            <p:ph idx="1"/>
+          </p:nvPr>
+        </p:nvPicPr>
+        <p:blipFill rotWithShape="1">
+          <a:blip r:embed="rId2">
+            <a:extLst>
+              <a:ext uri="{28A0092B-C50C-407E-A947-70E740481C1C}">
+                <a14:useLocalDpi xmlns:a14="http://schemas.microsoft.com/office/drawing/2010/main" val="0"/>
+              </a:ext>
+            </a:extLst>
+          </a:blip>
+          <a:srcRect l="14729" r="17521"/>
+          <a:stretch/>
+        </p:blipFill>
+        <p:spPr>
+          <a:xfrm>
+            <a:off x="5164790" y="1813510"/>
+            <a:ext cx="6685168" cy="3700277"/>
+          </a:xfrm>
+        </p:spPr>
+      </p:pic>
+    </p:spTree>
+    <p:extLst>
+      <p:ext uri="{BB962C8B-B14F-4D97-AF65-F5344CB8AC3E}">
+        <p14:creationId xmlns:p14="http://schemas.microsoft.com/office/powerpoint/2010/main" val="2905624665"/>
+      </p:ext>
+    </p:extLst>
+  </p:cSld>
+  <p:clrMapOvr>
+    <a:masterClrMapping/>
+  </p:clrMapOvr>
+</p:sld>
+</file>
+
+<file path=ppt/slides/slide7.xml><?xml version="1.0" encoding="utf-8"?>
+<p:sld xmlns:a="http://schemas.openxmlformats.org/drawingml/2006/main" xmlns:r="http://schemas.openxmlformats.org/officeDocument/2006/relationships" xmlns:p="http://schemas.openxmlformats.org/presentationml/2006/main">
+  <p:cSld>
+    <p:bg>
+      <p:bgPr>
+        <a:solidFill>
+          <a:schemeClr val="bg1"/>
+        </a:solidFill>
+        <a:effectLst/>
+      </p:bgPr>
+    </p:bg>
+    <p:spTree>
+      <p:nvGrpSpPr>
+        <p:cNvPr id="1" name=""/>
+        <p:cNvGrpSpPr/>
+        <p:nvPr/>
+      </p:nvGrpSpPr>
+      <p:grpSpPr>
+        <a:xfrm>
+          <a:off x="0" y="0"/>
+          <a:ext cx="0" cy="0"/>
+          <a:chOff x="0" y="0"/>
+          <a:chExt cx="0" cy="0"/>
+        </a:xfrm>
+      </p:grpSpPr>
+      <p:sp>
+        <p:nvSpPr>
+          <p:cNvPr id="10" name="Rectangle 9">
+            <a:extLst>
+              <a:ext uri="{FF2B5EF4-FFF2-40B4-BE49-F238E27FC236}">
+                <a16:creationId xmlns:a16="http://schemas.microsoft.com/office/drawing/2014/main" id="{39E3965E-AC41-4711-9D10-E25ABB132D86}"/>
+              </a:ext>
+              <a:ext uri="{C183D7F6-B498-43B3-948B-1728B52AA6E4}">
+                <adec:decorative xmlns:adec="http://schemas.microsoft.com/office/drawing/2017/decorative" val="1"/>
+              </a:ext>
+            </a:extLst>
+          </p:cNvPr>
+          <p:cNvSpPr>
+            <a:spLocks noGrp="1" noRot="1" noChangeAspect="1" noMove="1" noResize="1" noEditPoints="1" noAdjustHandles="1" noChangeArrowheads="1" noChangeShapeType="1" noTextEdit="1"/>
+          </p:cNvSpPr>
+          <p:nvPr>
+            <p:extLst>
+              <p:ext uri="{386F3935-93C4-4BCD-93E2-E3B085C9AB24}">
+                <p16:designElem xmlns:p16="http://schemas.microsoft.com/office/powerpoint/2015/main" val="1"/>
+              </p:ext>
+            </p:extLst>
+          </p:nvPr>
+        </p:nvSpPr>
+        <p:spPr>
+          <a:xfrm>
+            <a:off x="3175" y="6400800"/>
+            <a:ext cx="12188825" cy="457200"/>
+          </a:xfrm>
+          <a:prstGeom prst="rect">
+            <a:avLst/>
+          </a:prstGeom>
+          <a:solidFill>
+            <a:srgbClr val="262626"/>
+          </a:solidFill>
+          <a:ln>
+            <a:noFill/>
+          </a:ln>
+        </p:spPr>
+        <p:style>
+          <a:lnRef idx="2">
+            <a:schemeClr val="accent1">
+              <a:shade val="50000"/>
+            </a:schemeClr>
+          </a:lnRef>
+          <a:fillRef idx="1">
+            <a:schemeClr val="accent1"/>
+          </a:fillRef>
+          <a:effectRef idx="0">
+            <a:schemeClr val="accent1"/>
+          </a:effectRef>
+          <a:fontRef idx="minor">
+            <a:schemeClr val="lt1"/>
+          </a:fontRef>
+        </p:style>
+      </p:sp>
+      <p:cxnSp>
+        <p:nvCxnSpPr>
+          <p:cNvPr id="12" name="Straight Connector 11">
+            <a:extLst>
+              <a:ext uri="{FF2B5EF4-FFF2-40B4-BE49-F238E27FC236}">
+                <a16:creationId xmlns:a16="http://schemas.microsoft.com/office/drawing/2014/main" id="{1F5DC8C3-BA5F-4EED-BB9A-A14272BD82A1}"/>
+              </a:ext>
+              <a:ext uri="{C183D7F6-B498-43B3-948B-1728B52AA6E4}">
+                <adec:decorative xmlns:adec="http://schemas.microsoft.com/office/drawing/2017/decorative" val="1"/>
+              </a:ext>
+            </a:extLst>
+          </p:cNvPr>
+          <p:cNvCxnSpPr>
+            <a:cxnSpLocks noGrp="1" noRot="1" noChangeAspect="1" noMove="1" noResize="1" noEditPoints="1" noAdjustHandles="1" noChangeArrowheads="1" noChangeShapeType="1"/>
+          </p:cNvCxnSpPr>
+          <p:nvPr>
+            <p:extLst>
+              <p:ext uri="{386F3935-93C4-4BCD-93E2-E3B085C9AB24}">
+                <p16:designElem xmlns:p16="http://schemas.microsoft.com/office/powerpoint/2015/main" val="1"/>
+              </p:ext>
+            </p:extLst>
+          </p:nvPr>
+        </p:nvCxnSpPr>
+        <p:spPr>
+          <a:xfrm>
+            <a:off x="1207658" y="4474741"/>
+            <a:ext cx="9875520" cy="0"/>
+          </a:xfrm>
+          <a:prstGeom prst="line">
+            <a:avLst/>
+          </a:prstGeom>
+          <a:ln w="12700">
+            <a:solidFill>
+              <a:schemeClr val="tx1">
+                <a:lumMod val="75000"/>
+                <a:lumOff val="25000"/>
+              </a:schemeClr>
+            </a:solidFill>
+          </a:ln>
+        </p:spPr>
+        <p:style>
+          <a:lnRef idx="1">
+            <a:schemeClr val="accent1"/>
+          </a:lnRef>
+          <a:fillRef idx="0">
+            <a:schemeClr val="accent1"/>
+          </a:fillRef>
+          <a:effectRef idx="0">
+            <a:schemeClr val="accent1"/>
+          </a:effectRef>
+          <a:fontRef idx="minor">
+            <a:schemeClr val="tx1"/>
+          </a:fontRef>
+        </p:style>
+      </p:cxnSp>
+      <p:sp useBgFill="1">
+        <p:nvSpPr>
+          <p:cNvPr id="14" name="Rectangle 13">
+            <a:extLst>
+              <a:ext uri="{FF2B5EF4-FFF2-40B4-BE49-F238E27FC236}">
+                <a16:creationId xmlns:a16="http://schemas.microsoft.com/office/drawing/2014/main" id="{B4D0E555-16F6-44D0-BF56-AF5FF5BDE9D6}"/>
+              </a:ext>
+              <a:ext uri="{C183D7F6-B498-43B3-948B-1728B52AA6E4}">
+                <adec:decorative xmlns:adec="http://schemas.microsoft.com/office/drawing/2017/decorative" val="1"/>
+              </a:ext>
+            </a:extLst>
+          </p:cNvPr>
+          <p:cNvSpPr>
+            <a:spLocks noGrp="1" noRot="1" noChangeAspect="1" noMove="1" noResize="1" noEditPoints="1" noAdjustHandles="1" noChangeArrowheads="1" noChangeShapeType="1" noTextEdit="1"/>
+          </p:cNvSpPr>
+          <p:nvPr>
+            <p:extLst>
+              <p:ext uri="{386F3935-93C4-4BCD-93E2-E3B085C9AB24}">
+                <p16:designElem xmlns:p16="http://schemas.microsoft.com/office/powerpoint/2015/main" val="1"/>
+              </p:ext>
+            </p:extLst>
+          </p:nvPr>
+        </p:nvSpPr>
+        <p:spPr>
+          <a:xfrm>
+            <a:off x="0" y="0"/>
+            <a:ext cx="12192000" cy="6858000"/>
+          </a:xfrm>
+          <a:prstGeom prst="rect">
+            <a:avLst/>
+          </a:prstGeom>
+          <a:ln>
+            <a:noFill/>
+          </a:ln>
+        </p:spPr>
+        <p:style>
+          <a:lnRef idx="2">
+            <a:schemeClr val="accent1">
+              <a:shade val="50000"/>
+            </a:schemeClr>
+          </a:lnRef>
+          <a:fillRef idx="1001">
+            <a:schemeClr val="lt1"/>
+          </a:fillRef>
+          <a:effectRef idx="0">
+            <a:schemeClr val="accent1"/>
+          </a:effectRef>
+          <a:fontRef idx="minor">
+            <a:schemeClr val="lt1"/>
+          </a:fontRef>
+        </p:style>
+        <p:txBody>
+          <a:bodyPr rtlCol="0" anchor="ctr"/>
+          <a:lstStyle/>
+          <a:p>
+            <a:pPr marL="0" marR="0" lvl="0" indent="0" algn="ctr" defTabSz="914400" rtl="0" eaLnBrk="1" fontAlgn="auto" latinLnBrk="0" hangingPunct="1">
+              <a:lnSpc>
+                <a:spcPct val="100000"/>
+              </a:lnSpc>
+              <a:spcBef>
+                <a:spcPts val="0"/>
+              </a:spcBef>
+              <a:spcAft>
+                <a:spcPts val="0"/>
+              </a:spcAft>
+              <a:buClrTx/>
+              <a:buSzTx/>
+              <a:buFontTx/>
+              <a:buNone/>
+              <a:tabLst/>
+              <a:defRPr/>
+            </a:pPr>
+            <a:endParaRPr kumimoji="0" lang="en-US" sz="1800" b="0" i="0" u="none" strike="noStrike" kern="1200" cap="none" spc="0" normalizeH="0" baseline="0" noProof="0">
+              <a:ln>
+                <a:noFill/>
+              </a:ln>
+              <a:solidFill>
+                <a:prstClr val="white"/>
+              </a:solidFill>
+              <a:effectLst/>
+              <a:uLnTx/>
+              <a:uFillTx/>
+              <a:latin typeface="Avenir Next LT Pro" panose="020F0502020204030204"/>
+              <a:ea typeface="+mn-ea"/>
+              <a:cs typeface="+mn-cs"/>
+            </a:endParaRPr>
+          </a:p>
+        </p:txBody>
+      </p:sp>
+      <p:sp>
+        <p:nvSpPr>
+          <p:cNvPr id="16" name="Rectangle 15">
+            <a:extLst>
+              <a:ext uri="{FF2B5EF4-FFF2-40B4-BE49-F238E27FC236}">
+                <a16:creationId xmlns:a16="http://schemas.microsoft.com/office/drawing/2014/main" id="{8117041D-1A7B-4ECA-AB68-3CFDB6726B8E}"/>
+              </a:ext>
+              <a:ext uri="{C183D7F6-B498-43B3-948B-1728B52AA6E4}">
+                <adec:decorative xmlns:adec="http://schemas.microsoft.com/office/drawing/2017/decorative" val="1"/>
+              </a:ext>
+            </a:extLst>
+          </p:cNvPr>
+          <p:cNvSpPr>
+            <a:spLocks noGrp="1" noRot="1" noChangeAspect="1" noMove="1" noResize="1" noEditPoints="1" noAdjustHandles="1" noChangeArrowheads="1" noChangeShapeType="1" noTextEdit="1"/>
+          </p:cNvSpPr>
+          <p:nvPr>
+            <p:extLst>
+              <p:ext uri="{386F3935-93C4-4BCD-93E2-E3B085C9AB24}">
+                <p16:designElem xmlns:p16="http://schemas.microsoft.com/office/powerpoint/2015/main" val="1"/>
+              </p:ext>
+            </p:extLst>
+          </p:nvPr>
+        </p:nvSpPr>
+        <p:spPr bwMode="white">
+          <a:xfrm>
+            <a:off x="-6220" y="0"/>
+            <a:ext cx="4641314" cy="6858000"/>
+          </a:xfrm>
+          <a:prstGeom prst="rect">
+            <a:avLst/>
+          </a:prstGeom>
+          <a:solidFill>
+            <a:srgbClr val="262626"/>
+          </a:solidFill>
+          <a:ln>
+            <a:noFill/>
+          </a:ln>
+        </p:spPr>
+        <p:style>
+          <a:lnRef idx="2">
+            <a:schemeClr val="accent1">
+              <a:shade val="50000"/>
+            </a:schemeClr>
+          </a:lnRef>
+          <a:fillRef idx="1">
+            <a:schemeClr val="accent1"/>
+          </a:fillRef>
+          <a:effectRef idx="0">
+            <a:schemeClr val="accent1"/>
+          </a:effectRef>
+          <a:fontRef idx="minor">
+            <a:schemeClr val="lt1"/>
+          </a:fontRef>
+        </p:style>
+      </p:sp>
+      <p:sp>
+        <p:nvSpPr>
+          <p:cNvPr id="2" name="Titolo 1">
+            <a:extLst>
+              <a:ext uri="{FF2B5EF4-FFF2-40B4-BE49-F238E27FC236}">
+                <a16:creationId xmlns:a16="http://schemas.microsoft.com/office/drawing/2014/main" id="{B752222F-1985-8498-0DE8-2C71555B1C61}"/>
+              </a:ext>
+            </a:extLst>
+          </p:cNvPr>
+          <p:cNvSpPr>
+            <a:spLocks noGrp="1"/>
+          </p:cNvSpPr>
+          <p:nvPr>
+            <p:ph type="title"/>
+          </p:nvPr>
+        </p:nvSpPr>
+        <p:spPr>
+          <a:xfrm>
+            <a:off x="435869" y="640080"/>
+            <a:ext cx="3659246" cy="2862699"/>
+          </a:xfrm>
+        </p:spPr>
+        <p:txBody>
+          <a:bodyPr vert="horz" lIns="91440" tIns="45720" rIns="91440" bIns="45720" rtlCol="0" anchor="b">
+            <a:normAutofit/>
+          </a:bodyPr>
+          <a:lstStyle/>
+          <a:p>
+            <a:r>
+              <a:rPr lang="en-US" sz="4400" dirty="0">
+                <a:solidFill>
+                  <a:srgbClr val="FFFFFF"/>
+                </a:solidFill>
+              </a:rPr>
+              <a:t>Pod-pull type</a:t>
+            </a:r>
+          </a:p>
+        </p:txBody>
+      </p:sp>
+      <p:cxnSp>
+        <p:nvCxnSpPr>
+          <p:cNvPr id="18" name="Straight Connector 17">
+            <a:extLst>
+              <a:ext uri="{FF2B5EF4-FFF2-40B4-BE49-F238E27FC236}">
+                <a16:creationId xmlns:a16="http://schemas.microsoft.com/office/drawing/2014/main" id="{ABCD2462-4C1E-401A-AC2D-F799A138B245}"/>
+              </a:ext>
+              <a:ext uri="{C183D7F6-B498-43B3-948B-1728B52AA6E4}">
+                <adec:decorative xmlns:adec="http://schemas.microsoft.com/office/drawing/2017/decorative" val="1"/>
+              </a:ext>
+            </a:extLst>
+          </p:cNvPr>
+          <p:cNvCxnSpPr>
+            <a:cxnSpLocks noGrp="1" noRot="1" noChangeAspect="1" noMove="1" noResize="1" noEditPoints="1" noAdjustHandles="1" noChangeArrowheads="1" noChangeShapeType="1"/>
+          </p:cNvCxnSpPr>
+          <p:nvPr>
+            <p:extLst>
+              <p:ext uri="{386F3935-93C4-4BCD-93E2-E3B085C9AB24}">
+                <p16:designElem xmlns:p16="http://schemas.microsoft.com/office/powerpoint/2015/main" val="1"/>
+              </p:ext>
+            </p:extLst>
+          </p:nvPr>
+        </p:nvCxnSpPr>
+        <p:spPr>
+          <a:xfrm>
+            <a:off x="573852" y="3663649"/>
+            <a:ext cx="3383280" cy="0"/>
+          </a:xfrm>
+          <a:prstGeom prst="line">
+            <a:avLst/>
+          </a:prstGeom>
+          <a:ln w="19050">
+            <a:solidFill>
+              <a:schemeClr val="accent1"/>
+            </a:solidFill>
+          </a:ln>
+        </p:spPr>
+        <p:style>
+          <a:lnRef idx="1">
+            <a:schemeClr val="accent1"/>
+          </a:lnRef>
+          <a:fillRef idx="0">
+            <a:schemeClr val="accent1"/>
+          </a:fillRef>
+          <a:effectRef idx="0">
+            <a:schemeClr val="accent1"/>
+          </a:effectRef>
+          <a:fontRef idx="minor">
+            <a:schemeClr val="tx1"/>
+          </a:fontRef>
+        </p:style>
+      </p:cxnSp>
+      <p:pic>
+        <p:nvPicPr>
+          <p:cNvPr id="7" name="Segnaposto contenuto 6">
+            <a:extLst>
+              <a:ext uri="{FF2B5EF4-FFF2-40B4-BE49-F238E27FC236}">
+                <a16:creationId xmlns:a16="http://schemas.microsoft.com/office/drawing/2014/main" id="{19FC7CDA-A23D-E9A4-2419-B78EA0552ABE}"/>
+              </a:ext>
+            </a:extLst>
+          </p:cNvPr>
+          <p:cNvPicPr>
+            <a:picLocks noGrp="1" noChangeAspect="1"/>
+          </p:cNvPicPr>
+          <p:nvPr>
+            <p:ph idx="1"/>
+          </p:nvPr>
+        </p:nvPicPr>
+        <p:blipFill>
+          <a:blip r:embed="rId2">
+            <a:extLst>
+              <a:ext uri="{28A0092B-C50C-407E-A947-70E740481C1C}">
+                <a14:useLocalDpi xmlns:a14="http://schemas.microsoft.com/office/drawing/2010/main" val="0"/>
+              </a:ext>
+            </a:extLst>
+          </a:blip>
+          <a:stretch>
+            <a:fillRect/>
+          </a:stretch>
+        </p:blipFill>
+        <p:spPr>
+          <a:xfrm>
+            <a:off x="5701485" y="790717"/>
+            <a:ext cx="5424123" cy="5424123"/>
+          </a:xfrm>
+        </p:spPr>
+      </p:pic>
+    </p:spTree>
+    <p:extLst>
+      <p:ext uri="{BB962C8B-B14F-4D97-AF65-F5344CB8AC3E}">
+        <p14:creationId xmlns:p14="http://schemas.microsoft.com/office/powerpoint/2010/main" val="804115674"/>
+      </p:ext>
+    </p:extLst>
+  </p:cSld>
+  <p:clrMapOvr>
+    <a:masterClrMapping/>
   </p:clrMapOvr>
 </p:sld>
 </file>

--- a/DRS presentazione.pptx
+++ b/DRS presentazione.pptx
@@ -12,6 +12,7 @@
     <p:sldId id="259" r:id="rId6"/>
     <p:sldId id="264" r:id="rId7"/>
     <p:sldId id="263" r:id="rId8"/>
+    <p:sldId id="265" r:id="rId9"/>
   </p:sldIdLst>
   <p:sldSz cx="12192000" cy="6858000"/>
   <p:notesSz cx="6858000" cy="9144000"/>
@@ -362,7 +363,7 @@
           <a:p>
             <a:fld id="{9184DA70-C731-4C70-880D-CCD4705E623C}" type="datetime1">
               <a:rPr lang="en-US" smtClean="0"/>
-              <a:t>7/20/2022</a:t>
+              <a:t>7/22/2022</a:t>
             </a:fld>
             <a:endParaRPr lang="en-US" dirty="0"/>
           </a:p>
@@ -550,7 +551,7 @@
           <a:p>
             <a:fld id="{B612A279-0833-481D-8C56-F67FD0AC6C50}" type="datetime1">
               <a:rPr lang="en-US" smtClean="0"/>
-              <a:t>7/20/2022</a:t>
+              <a:t>7/22/2022</a:t>
             </a:fld>
             <a:endParaRPr lang="en-US" dirty="0"/>
           </a:p>
@@ -792,7 +793,7 @@
           <a:p>
             <a:fld id="{6587DA83-5663-4C9C-B9AA-0B40A3DAFF81}" type="datetime1">
               <a:rPr lang="en-US" smtClean="0"/>
-              <a:t>7/20/2022</a:t>
+              <a:t>7/22/2022</a:t>
             </a:fld>
             <a:endParaRPr lang="en-US" dirty="0"/>
           </a:p>
@@ -980,7 +981,7 @@
           <a:p>
             <a:fld id="{4BE1D723-8F53-4F53-90B0-1982A396982E}" type="datetime1">
               <a:rPr lang="en-US" smtClean="0"/>
-              <a:t>7/20/2022</a:t>
+              <a:t>7/22/2022</a:t>
             </a:fld>
             <a:endParaRPr lang="en-US" dirty="0"/>
           </a:p>
@@ -1353,7 +1354,7 @@
           <a:p>
             <a:fld id="{97669AF7-7BEB-44E4-9852-375E34362B5B}" type="datetime1">
               <a:rPr lang="en-US" smtClean="0"/>
-              <a:t>7/20/2022</a:t>
+              <a:t>7/22/2022</a:t>
             </a:fld>
             <a:endParaRPr lang="en-US" dirty="0"/>
           </a:p>
@@ -1608,7 +1609,7 @@
           <a:p>
             <a:fld id="{BAAAC38D-0552-4C82-B593-E6124DFADBE2}" type="datetime1">
               <a:rPr lang="en-US" smtClean="0"/>
-              <a:t>7/20/2022</a:t>
+              <a:t>7/22/2022</a:t>
             </a:fld>
             <a:endParaRPr lang="en-US" dirty="0"/>
           </a:p>
@@ -2005,7 +2006,7 @@
           <a:p>
             <a:fld id="{D9DF0F1C-5577-4ACB-BB62-DF8F3C494C7E}" type="datetime1">
               <a:rPr lang="en-US" smtClean="0"/>
-              <a:t>7/20/2022</a:t>
+              <a:t>7/22/2022</a:t>
             </a:fld>
             <a:endParaRPr lang="en-US" dirty="0"/>
           </a:p>
@@ -2141,7 +2142,7 @@
           <a:p>
             <a:fld id="{1775B394-D9F9-4F0C-B15D-605F45CB9E9F}" type="datetime1">
               <a:rPr lang="en-US" smtClean="0"/>
-              <a:t>7/20/2022</a:t>
+              <a:t>7/22/2022</a:t>
             </a:fld>
             <a:endParaRPr lang="en-US" dirty="0"/>
           </a:p>
@@ -2298,7 +2299,7 @@
           <a:p>
             <a:fld id="{39667345-2558-425A-8533-9BFDBCE15005}" type="datetime1">
               <a:rPr lang="en-US" smtClean="0"/>
-              <a:t>7/20/2022</a:t>
+              <a:t>7/22/2022</a:t>
             </a:fld>
             <a:endParaRPr lang="en-US" dirty="0"/>
           </a:p>
@@ -2627,7 +2628,7 @@
           <a:p>
             <a:fld id="{92BEA474-078D-4E9B-9B14-09A87B19DC46}" type="datetime1">
               <a:rPr lang="en-US" smtClean="0"/>
-              <a:t>7/20/2022</a:t>
+              <a:t>7/22/2022</a:t>
             </a:fld>
             <a:endParaRPr lang="en-US" dirty="0"/>
           </a:p>
@@ -2977,7 +2978,7 @@
           <a:p>
             <a:fld id="{4907D986-8816-4272-A432-0437A28A9828}" type="datetime1">
               <a:rPr lang="en-US" smtClean="0"/>
-              <a:t>7/20/2022</a:t>
+              <a:t>7/22/2022</a:t>
             </a:fld>
             <a:endParaRPr lang="en-US" dirty="0"/>
           </a:p>
@@ -3238,7 +3239,7 @@
           <a:p>
             <a:fld id="{62D6E202-B606-4609-B914-27C9371A1F6D}" type="datetime1">
               <a:rPr lang="en-US" smtClean="0"/>
-              <a:t>7/20/2022</a:t>
+              <a:t>7/22/2022</a:t>
             </a:fld>
             <a:endParaRPr lang="en-US" dirty="0"/>
           </a:p>
@@ -4929,7 +4930,7 @@
                   <a:srgbClr val="FFFFFF"/>
                 </a:solidFill>
               </a:rPr>
-              <a:t>Three case of study</a:t>
+              <a:t>Three cases of study</a:t>
             </a:r>
           </a:p>
         </p:txBody>
@@ -5320,8 +5321,8 @@
         </p:blipFill>
         <p:spPr>
           <a:xfrm>
-            <a:off x="6012024" y="3350319"/>
-            <a:ext cx="6022189" cy="2331762"/>
+            <a:off x="6175927" y="3350319"/>
+            <a:ext cx="5357590" cy="2074433"/>
           </a:xfrm>
           <a:prstGeom prst="rect">
             <a:avLst/>
@@ -6635,6 +6636,254 @@
     <p:extLst>
       <p:ext uri="{BB962C8B-B14F-4D97-AF65-F5344CB8AC3E}">
         <p14:creationId xmlns:p14="http://schemas.microsoft.com/office/powerpoint/2010/main" val="804115674"/>
+      </p:ext>
+    </p:extLst>
+  </p:cSld>
+  <p:clrMapOvr>
+    <a:masterClrMapping/>
+  </p:clrMapOvr>
+</p:sld>
+</file>
+
+<file path=ppt/slides/slide8.xml><?xml version="1.0" encoding="utf-8"?>
+<p:sld xmlns:a="http://schemas.openxmlformats.org/drawingml/2006/main" xmlns:r="http://schemas.openxmlformats.org/officeDocument/2006/relationships" xmlns:p="http://schemas.openxmlformats.org/presentationml/2006/main">
+  <p:cSld>
+    <p:spTree>
+      <p:nvGrpSpPr>
+        <p:cNvPr id="1" name=""/>
+        <p:cNvGrpSpPr/>
+        <p:nvPr/>
+      </p:nvGrpSpPr>
+      <p:grpSpPr>
+        <a:xfrm>
+          <a:off x="0" y="0"/>
+          <a:ext cx="0" cy="0"/>
+          <a:chOff x="0" y="0"/>
+          <a:chExt cx="0" cy="0"/>
+        </a:xfrm>
+      </p:grpSpPr>
+      <p:sp>
+        <p:nvSpPr>
+          <p:cNvPr id="2" name="Titolo 1">
+            <a:extLst>
+              <a:ext uri="{FF2B5EF4-FFF2-40B4-BE49-F238E27FC236}">
+                <a16:creationId xmlns:a16="http://schemas.microsoft.com/office/drawing/2014/main" id="{D2E67675-A02D-E819-7FAC-2C4ED022C207}"/>
+              </a:ext>
+            </a:extLst>
+          </p:cNvPr>
+          <p:cNvSpPr>
+            <a:spLocks noGrp="1"/>
+          </p:cNvSpPr>
+          <p:nvPr>
+            <p:ph type="title"/>
+          </p:nvPr>
+        </p:nvSpPr>
+        <p:spPr/>
+        <p:txBody>
+          <a:bodyPr/>
+          <a:lstStyle/>
+          <a:p>
+            <a:pPr algn="ctr"/>
+            <a:r>
+              <a:rPr lang="it-IT" b="1" dirty="0"/>
+              <a:t>DYNAMIC ANALYSIS</a:t>
+            </a:r>
+          </a:p>
+        </p:txBody>
+      </p:sp>
+      <p:sp>
+        <p:nvSpPr>
+          <p:cNvPr id="3" name="Segnaposto contenuto 2">
+            <a:extLst>
+              <a:ext uri="{FF2B5EF4-FFF2-40B4-BE49-F238E27FC236}">
+                <a16:creationId xmlns:a16="http://schemas.microsoft.com/office/drawing/2014/main" id="{71DD3AFC-BCA0-746A-86E1-FAF26C793C2C}"/>
+              </a:ext>
+            </a:extLst>
+          </p:cNvPr>
+          <p:cNvSpPr>
+            <a:spLocks noGrp="1"/>
+          </p:cNvSpPr>
+          <p:nvPr>
+            <p:ph idx="1"/>
+          </p:nvPr>
+        </p:nvSpPr>
+        <p:spPr>
+          <a:xfrm>
+            <a:off x="450146" y="2706963"/>
+            <a:ext cx="5228875" cy="2975118"/>
+          </a:xfrm>
+        </p:spPr>
+        <p:txBody>
+          <a:bodyPr>
+            <a:normAutofit fontScale="92500" lnSpcReduction="10000"/>
+          </a:bodyPr>
+          <a:lstStyle/>
+          <a:p>
+            <a:r>
+              <a:rPr lang="it-IT" sz="1800" dirty="0"/>
+              <a:t>Goals:</a:t>
+            </a:r>
+          </a:p>
+          <a:p>
+            <a:pPr>
+              <a:buFont typeface="Arial" panose="020B0604020202020204" pitchFamily="34" charset="0"/>
+              <a:buChar char="•"/>
+            </a:pPr>
+            <a:r>
+              <a:rPr lang="en-US" sz="1800" dirty="0"/>
+              <a:t>Derive a dynamic model of both the DRS mechanism and the actuating hydraulic system</a:t>
+            </a:r>
+            <a:r>
+              <a:rPr lang="it-IT" sz="1800" dirty="0"/>
+              <a:t>;</a:t>
+            </a:r>
+          </a:p>
+          <a:p>
+            <a:pPr>
+              <a:buFont typeface="Arial" panose="020B0604020202020204" pitchFamily="34" charset="0"/>
+              <a:buChar char="•"/>
+            </a:pPr>
+            <a:r>
+              <a:rPr lang="en-US" sz="1800" dirty="0"/>
+              <a:t>Perform some analysis to evaluate the system performance</a:t>
+            </a:r>
+            <a:r>
+              <a:rPr lang="it-IT" sz="1800" dirty="0"/>
+              <a:t>;</a:t>
+            </a:r>
+          </a:p>
+          <a:p>
+            <a:pPr>
+              <a:buFont typeface="Arial" panose="020B0604020202020204" pitchFamily="34" charset="0"/>
+              <a:buChar char="•"/>
+            </a:pPr>
+            <a:r>
+              <a:rPr lang="en-US" sz="1800" dirty="0"/>
+              <a:t>Compare the dynamics numerical solution with Maple solver</a:t>
+            </a:r>
+            <a:r>
+              <a:rPr lang="it-IT" sz="1800" dirty="0"/>
+              <a:t>;</a:t>
+            </a:r>
+          </a:p>
+          <a:p>
+            <a:pPr>
+              <a:buFont typeface="Arial" panose="020B0604020202020204" pitchFamily="34" charset="0"/>
+              <a:buChar char="•"/>
+            </a:pPr>
+            <a:r>
+              <a:rPr lang="it-IT" sz="1800" dirty="0" err="1"/>
+              <a:t>Perform</a:t>
+            </a:r>
+            <a:r>
+              <a:rPr lang="it-IT" sz="1800" dirty="0"/>
+              <a:t> a dynamics-</a:t>
+            </a:r>
+            <a:r>
+              <a:rPr lang="it-IT" sz="1800" dirty="0" err="1"/>
+              <a:t>based</a:t>
+            </a:r>
+            <a:r>
+              <a:rPr lang="it-IT" sz="1800" dirty="0"/>
+              <a:t> </a:t>
+            </a:r>
+            <a:r>
+              <a:rPr lang="it-IT" sz="1800" dirty="0" err="1"/>
+              <a:t>optimization</a:t>
+            </a:r>
+            <a:r>
+              <a:rPr lang="it-IT" sz="1800" dirty="0"/>
+              <a:t>.</a:t>
+            </a:r>
+          </a:p>
+          <a:p>
+            <a:pPr marL="0" indent="0">
+              <a:buNone/>
+            </a:pPr>
+            <a:endParaRPr lang="it-IT" dirty="0"/>
+          </a:p>
+        </p:txBody>
+      </p:sp>
+      <p:cxnSp>
+        <p:nvCxnSpPr>
+          <p:cNvPr id="9" name="Connettore diritto 8">
+            <a:extLst>
+              <a:ext uri="{FF2B5EF4-FFF2-40B4-BE49-F238E27FC236}">
+                <a16:creationId xmlns:a16="http://schemas.microsoft.com/office/drawing/2014/main" id="{FA935FAC-5BF7-DD4B-0EE4-6CF30751C495}"/>
+              </a:ext>
+            </a:extLst>
+          </p:cNvPr>
+          <p:cNvCxnSpPr/>
+          <p:nvPr/>
+        </p:nvCxnSpPr>
+        <p:spPr>
+          <a:xfrm>
+            <a:off x="5805390" y="2532409"/>
+            <a:ext cx="0" cy="3629025"/>
+          </a:xfrm>
+          <a:prstGeom prst="line">
+            <a:avLst/>
+          </a:prstGeom>
+        </p:spPr>
+        <p:style>
+          <a:lnRef idx="3">
+            <a:schemeClr val="dk1"/>
+          </a:lnRef>
+          <a:fillRef idx="0">
+            <a:schemeClr val="dk1"/>
+          </a:fillRef>
+          <a:effectRef idx="2">
+            <a:schemeClr val="dk1"/>
+          </a:effectRef>
+          <a:fontRef idx="minor">
+            <a:schemeClr val="tx1"/>
+          </a:fontRef>
+        </p:style>
+      </p:cxnSp>
+      <p:sp>
+        <p:nvSpPr>
+          <p:cNvPr id="10" name="CasellaDiTesto 9">
+            <a:extLst>
+              <a:ext uri="{FF2B5EF4-FFF2-40B4-BE49-F238E27FC236}">
+                <a16:creationId xmlns:a16="http://schemas.microsoft.com/office/drawing/2014/main" id="{E3DF8ADF-C763-1D2D-C7EC-749F1A4762EC}"/>
+              </a:ext>
+            </a:extLst>
+          </p:cNvPr>
+          <p:cNvSpPr txBox="1"/>
+          <p:nvPr/>
+        </p:nvSpPr>
+        <p:spPr>
+          <a:xfrm>
+            <a:off x="6811346" y="2980987"/>
+            <a:ext cx="3974840" cy="369332"/>
+          </a:xfrm>
+          <a:prstGeom prst="rect">
+            <a:avLst/>
+          </a:prstGeom>
+          <a:noFill/>
+        </p:spPr>
+        <p:txBody>
+          <a:bodyPr wrap="square" rtlCol="0">
+            <a:spAutoFit/>
+          </a:bodyPr>
+          <a:lstStyle/>
+          <a:p>
+            <a:pPr algn="ctr"/>
+            <a:r>
+              <a:rPr lang="it-IT" dirty="0" err="1"/>
+              <a:t>asdasd</a:t>
+            </a:r>
+            <a:r>
+              <a:rPr lang="it-IT" dirty="0"/>
+              <a:t>:</a:t>
+            </a:r>
+          </a:p>
+        </p:txBody>
+      </p:sp>
+    </p:spTree>
+    <p:extLst>
+      <p:ext uri="{BB962C8B-B14F-4D97-AF65-F5344CB8AC3E}">
+        <p14:creationId xmlns:p14="http://schemas.microsoft.com/office/powerpoint/2010/main" val="2085242879"/>
       </p:ext>
     </p:extLst>
   </p:cSld>
